--- a/notes/csc402-ln006a.pptx
+++ b/notes/csc402-ln006a.pptx
@@ -5,7 +5,7 @@
     <p:sldMasterId id="2147483649" r:id="rId1"/>
   </p:sldMasterIdLst>
   <p:notesMasterIdLst>
-    <p:notesMasterId r:id="rId27"/>
+    <p:notesMasterId r:id="rId28"/>
   </p:notesMasterIdLst>
   <p:sldIdLst>
     <p:sldId id="289" r:id="rId2"/>
@@ -19,20 +19,21 @@
     <p:sldId id="297" r:id="rId10"/>
     <p:sldId id="298" r:id="rId11"/>
     <p:sldId id="299" r:id="rId12"/>
-    <p:sldId id="259" r:id="rId13"/>
-    <p:sldId id="260" r:id="rId14"/>
-    <p:sldId id="261" r:id="rId15"/>
-    <p:sldId id="300" r:id="rId16"/>
-    <p:sldId id="301" r:id="rId17"/>
-    <p:sldId id="302" r:id="rId18"/>
-    <p:sldId id="303" r:id="rId19"/>
-    <p:sldId id="304" r:id="rId20"/>
-    <p:sldId id="305" r:id="rId21"/>
-    <p:sldId id="306" r:id="rId22"/>
-    <p:sldId id="307" r:id="rId23"/>
-    <p:sldId id="308" r:id="rId24"/>
-    <p:sldId id="309" r:id="rId25"/>
-    <p:sldId id="310" r:id="rId26"/>
+    <p:sldId id="311" r:id="rId13"/>
+    <p:sldId id="259" r:id="rId14"/>
+    <p:sldId id="260" r:id="rId15"/>
+    <p:sldId id="261" r:id="rId16"/>
+    <p:sldId id="300" r:id="rId17"/>
+    <p:sldId id="301" r:id="rId18"/>
+    <p:sldId id="302" r:id="rId19"/>
+    <p:sldId id="312" r:id="rId20"/>
+    <p:sldId id="304" r:id="rId21"/>
+    <p:sldId id="305" r:id="rId22"/>
+    <p:sldId id="306" r:id="rId23"/>
+    <p:sldId id="307" r:id="rId24"/>
+    <p:sldId id="308" r:id="rId25"/>
+    <p:sldId id="309" r:id="rId26"/>
+    <p:sldId id="310" r:id="rId27"/>
   </p:sldIdLst>
   <p:sldSz cx="9144000" cy="6858000" type="screen4x3"/>
   <p:notesSz cx="6858000" cy="9144000"/>
@@ -1014,7 +1015,7 @@
             <a:fld id="{5AECB633-6BD3-294A-8825-9346D53C6232}" type="slidenum">
               <a:rPr lang="en-US"/>
               <a:pPr/>
-              <a:t>12</a:t>
+              <a:t>13</a:t>
             </a:fld>
             <a:endParaRPr lang="en-US"/>
           </a:p>
@@ -1103,7 +1104,7 @@
             <a:fld id="{B8E6C001-6A8B-FE4D-89E5-93ED752A002A}" type="slidenum">
               <a:rPr lang="en-US"/>
               <a:pPr/>
-              <a:t>13</a:t>
+              <a:t>14</a:t>
             </a:fld>
             <a:endParaRPr lang="en-US"/>
           </a:p>
@@ -1192,7 +1193,7 @@
             <a:fld id="{75B03F52-E5A9-E14B-995A-B118DFD2A4CB}" type="slidenum">
               <a:rPr lang="en-US"/>
               <a:pPr/>
-              <a:t>14</a:t>
+              <a:t>15</a:t>
             </a:fld>
             <a:endParaRPr lang="en-US"/>
           </a:p>
@@ -8289,7 +8290,13 @@
       </p:sp>
       <p:pic>
         <p:nvPicPr>
-          <p:cNvPr id="3" name="Picture 2"/>
+          <p:cNvPr id="6" name="Picture 5">
+            <a:extLst>
+              <a:ext uri="{FF2B5EF4-FFF2-40B4-BE49-F238E27FC236}">
+                <a16:creationId xmlns:a16="http://schemas.microsoft.com/office/drawing/2014/main" id="{F87E6314-D68D-F541-84CD-FE72E70C4E33}"/>
+              </a:ext>
+            </a:extLst>
+          </p:cNvPr>
           <p:cNvPicPr>
             <a:picLocks noChangeAspect="1"/>
           </p:cNvPicPr>
@@ -8303,8 +8310,8 @@
         </p:blipFill>
         <p:spPr>
           <a:xfrm>
-            <a:off x="685800" y="1714500"/>
-            <a:ext cx="3219450" cy="1279904"/>
+            <a:off x="457200" y="3076111"/>
+            <a:ext cx="3099179" cy="1648289"/>
           </a:xfrm>
           <a:prstGeom prst="rect">
             <a:avLst/>
@@ -8318,7 +8325,13 @@
       </p:pic>
       <p:pic>
         <p:nvPicPr>
-          <p:cNvPr id="4" name="Picture 3"/>
+          <p:cNvPr id="10" name="Picture 9">
+            <a:extLst>
+              <a:ext uri="{FF2B5EF4-FFF2-40B4-BE49-F238E27FC236}">
+                <a16:creationId xmlns:a16="http://schemas.microsoft.com/office/drawing/2014/main" id="{89EF0F83-F8DA-FC41-9902-C10D96258FF4}"/>
+              </a:ext>
+            </a:extLst>
+          </p:cNvPr>
           <p:cNvPicPr>
             <a:picLocks noChangeAspect="1"/>
           </p:cNvPicPr>
@@ -8332,8 +8345,8 @@
         </p:blipFill>
         <p:spPr>
           <a:xfrm>
-            <a:off x="745935" y="3291266"/>
-            <a:ext cx="3099179" cy="1384300"/>
+            <a:off x="1143000" y="1417638"/>
+            <a:ext cx="2273300" cy="1499614"/>
           </a:xfrm>
           <a:prstGeom prst="rect">
             <a:avLst/>
@@ -8347,7 +8360,13 @@
       </p:pic>
       <p:pic>
         <p:nvPicPr>
-          <p:cNvPr id="7" name="Picture 6"/>
+          <p:cNvPr id="11" name="Picture 10">
+            <a:extLst>
+              <a:ext uri="{FF2B5EF4-FFF2-40B4-BE49-F238E27FC236}">
+                <a16:creationId xmlns:a16="http://schemas.microsoft.com/office/drawing/2014/main" id="{8DCBFA75-DF71-DE4C-906F-00C98A608A38}"/>
+              </a:ext>
+            </a:extLst>
+          </p:cNvPr>
           <p:cNvPicPr>
             <a:picLocks noChangeAspect="1"/>
           </p:cNvPicPr>
@@ -8361,8 +8380,8 @@
         </p:blipFill>
         <p:spPr>
           <a:xfrm>
-            <a:off x="660400" y="4972428"/>
-            <a:ext cx="2997200" cy="1683359"/>
+            <a:off x="873124" y="4933581"/>
+            <a:ext cx="2813052" cy="1692142"/>
           </a:xfrm>
           <a:prstGeom prst="rect">
             <a:avLst/>
@@ -8376,7 +8395,13 @@
       </p:pic>
       <p:pic>
         <p:nvPicPr>
-          <p:cNvPr id="8" name="Picture 7"/>
+          <p:cNvPr id="12" name="Picture 11">
+            <a:extLst>
+              <a:ext uri="{FF2B5EF4-FFF2-40B4-BE49-F238E27FC236}">
+                <a16:creationId xmlns:a16="http://schemas.microsoft.com/office/drawing/2014/main" id="{F0A88407-7544-0F40-A8A0-2DD50A54131B}"/>
+              </a:ext>
+            </a:extLst>
+          </p:cNvPr>
           <p:cNvPicPr>
             <a:picLocks noChangeAspect="1"/>
           </p:cNvPicPr>
@@ -8390,8 +8415,8 @@
         </p:blipFill>
         <p:spPr>
           <a:xfrm>
-            <a:off x="4038600" y="1524000"/>
-            <a:ext cx="4508500" cy="3884984"/>
+            <a:off x="3813175" y="1506978"/>
+            <a:ext cx="3790950" cy="1922022"/>
           </a:xfrm>
           <a:prstGeom prst="rect">
             <a:avLst/>
@@ -8405,7 +8430,13 @@
       </p:pic>
       <p:pic>
         <p:nvPicPr>
-          <p:cNvPr id="9" name="Picture 8"/>
+          <p:cNvPr id="13" name="Picture 12">
+            <a:extLst>
+              <a:ext uri="{FF2B5EF4-FFF2-40B4-BE49-F238E27FC236}">
+                <a16:creationId xmlns:a16="http://schemas.microsoft.com/office/drawing/2014/main" id="{4CF0935C-1FE8-FF42-A70B-8C4D19EF2024}"/>
+              </a:ext>
+            </a:extLst>
+          </p:cNvPr>
           <p:cNvPicPr>
             <a:picLocks noChangeAspect="1"/>
           </p:cNvPicPr>
@@ -8419,8 +8450,8 @@
         </p:blipFill>
         <p:spPr>
           <a:xfrm>
-            <a:off x="6400800" y="5010103"/>
-            <a:ext cx="2628900" cy="1671084"/>
+            <a:off x="3429000" y="3547910"/>
+            <a:ext cx="2130425" cy="1660331"/>
           </a:xfrm>
           <a:prstGeom prst="rect">
             <a:avLst/>
@@ -8432,6 +8463,111 @@
           </a:ln>
         </p:spPr>
       </p:pic>
+      <p:pic>
+        <p:nvPicPr>
+          <p:cNvPr id="14" name="Picture 13">
+            <a:extLst>
+              <a:ext uri="{FF2B5EF4-FFF2-40B4-BE49-F238E27FC236}">
+                <a16:creationId xmlns:a16="http://schemas.microsoft.com/office/drawing/2014/main" id="{94C77059-1277-B74B-AD74-A00019EF2BE2}"/>
+              </a:ext>
+            </a:extLst>
+          </p:cNvPr>
+          <p:cNvPicPr>
+            <a:picLocks noChangeAspect="1"/>
+          </p:cNvPicPr>
+          <p:nvPr/>
+        </p:nvPicPr>
+        <p:blipFill>
+          <a:blip r:embed="rId7"/>
+          <a:stretch>
+            <a:fillRect/>
+          </a:stretch>
+        </p:blipFill>
+        <p:spPr>
+          <a:xfrm>
+            <a:off x="6019800" y="2895600"/>
+            <a:ext cx="2450723" cy="1127766"/>
+          </a:xfrm>
+          <a:prstGeom prst="rect">
+            <a:avLst/>
+          </a:prstGeom>
+          <a:ln>
+            <a:solidFill>
+              <a:schemeClr val="tx1"/>
+            </a:solidFill>
+          </a:ln>
+        </p:spPr>
+      </p:pic>
+      <p:pic>
+        <p:nvPicPr>
+          <p:cNvPr id="15" name="Picture 14">
+            <a:extLst>
+              <a:ext uri="{FF2B5EF4-FFF2-40B4-BE49-F238E27FC236}">
+                <a16:creationId xmlns:a16="http://schemas.microsoft.com/office/drawing/2014/main" id="{35FA0788-66B3-104F-B477-33EAB9A6555C}"/>
+              </a:ext>
+            </a:extLst>
+          </p:cNvPr>
+          <p:cNvPicPr>
+            <a:picLocks noChangeAspect="1"/>
+          </p:cNvPicPr>
+          <p:nvPr/>
+        </p:nvPicPr>
+        <p:blipFill>
+          <a:blip r:embed="rId8"/>
+          <a:stretch>
+            <a:fillRect/>
+          </a:stretch>
+        </p:blipFill>
+        <p:spPr>
+          <a:xfrm>
+            <a:off x="5334000" y="4191000"/>
+            <a:ext cx="3606800" cy="1103256"/>
+          </a:xfrm>
+          <a:prstGeom prst="rect">
+            <a:avLst/>
+          </a:prstGeom>
+          <a:ln>
+            <a:solidFill>
+              <a:schemeClr val="tx1"/>
+            </a:solidFill>
+          </a:ln>
+        </p:spPr>
+      </p:pic>
+      <p:sp>
+        <p:nvSpPr>
+          <p:cNvPr id="16" name="TextBox 15">
+            <a:extLst>
+              <a:ext uri="{FF2B5EF4-FFF2-40B4-BE49-F238E27FC236}">
+                <a16:creationId xmlns:a16="http://schemas.microsoft.com/office/drawing/2014/main" id="{F3381BE2-09E9-1547-B40E-903D1EFD8F56}"/>
+              </a:ext>
+            </a:extLst>
+          </p:cNvPr>
+          <p:cNvSpPr txBox="1"/>
+          <p:nvPr/>
+        </p:nvSpPr>
+        <p:spPr>
+          <a:xfrm>
+            <a:off x="4162567" y="5854890"/>
+            <a:ext cx="3501984" cy="369332"/>
+          </a:xfrm>
+          <a:prstGeom prst="rect">
+            <a:avLst/>
+          </a:prstGeom>
+          <a:noFill/>
+        </p:spPr>
+        <p:txBody>
+          <a:bodyPr wrap="none" rtlCol="0">
+            <a:spAutoFit/>
+          </a:bodyPr>
+          <a:lstStyle/>
+          <a:p>
+            <a:r>
+              <a:rPr lang="en-US" sz="1800" dirty="0"/>
+              <a:t>Pattern matching on AST nodes!</a:t>
+            </a:r>
+          </a:p>
+        </p:txBody>
+      </p:sp>
     </p:spTree>
     <p:extLst>
       <p:ext uri="{BB962C8B-B14F-4D97-AF65-F5344CB8AC3E}">
@@ -8492,7 +8628,7 @@
         </p:nvSpPr>
         <p:spPr>
           <a:xfrm>
-            <a:off x="6273800" y="1701800"/>
+            <a:off x="6705600" y="990600"/>
             <a:ext cx="1160895" cy="246221"/>
           </a:xfrm>
           <a:prstGeom prst="rect">
@@ -8515,7 +8651,13 @@
       </p:sp>
       <p:pic>
         <p:nvPicPr>
-          <p:cNvPr id="9" name="Picture 8"/>
+          <p:cNvPr id="3" name="Picture 2">
+            <a:extLst>
+              <a:ext uri="{FF2B5EF4-FFF2-40B4-BE49-F238E27FC236}">
+                <a16:creationId xmlns:a16="http://schemas.microsoft.com/office/drawing/2014/main" id="{FF66D339-C289-A241-9C09-A77FA13B0EE2}"/>
+              </a:ext>
+            </a:extLst>
+          </p:cNvPr>
           <p:cNvPicPr>
             <a:picLocks noChangeAspect="1"/>
           </p:cNvPicPr>
@@ -8529,8 +8671,8 @@
         </p:blipFill>
         <p:spPr>
           <a:xfrm>
-            <a:off x="636030" y="1524000"/>
-            <a:ext cx="3605770" cy="4889500"/>
+            <a:off x="457200" y="1417638"/>
+            <a:ext cx="3841750" cy="1427483"/>
           </a:xfrm>
           <a:prstGeom prst="rect">
             <a:avLst/>
@@ -8544,7 +8686,13 @@
       </p:pic>
       <p:pic>
         <p:nvPicPr>
-          <p:cNvPr id="10" name="Picture 9"/>
+          <p:cNvPr id="4" name="Picture 3">
+            <a:extLst>
+              <a:ext uri="{FF2B5EF4-FFF2-40B4-BE49-F238E27FC236}">
+                <a16:creationId xmlns:a16="http://schemas.microsoft.com/office/drawing/2014/main" id="{476422D7-687F-1A40-9C6D-CB360EF09579}"/>
+              </a:ext>
+            </a:extLst>
+          </p:cNvPr>
           <p:cNvPicPr>
             <a:picLocks noChangeAspect="1"/>
           </p:cNvPicPr>
@@ -8558,14 +8706,124 @@
         </p:blipFill>
         <p:spPr>
           <a:xfrm>
-            <a:off x="4730003" y="2257583"/>
-            <a:ext cx="3087593" cy="4025900"/>
+            <a:off x="4160958" y="1550988"/>
+            <a:ext cx="2925642" cy="1953987"/>
           </a:xfrm>
           <a:prstGeom prst="rect">
             <a:avLst/>
           </a:prstGeom>
+          <a:ln>
+            <a:solidFill>
+              <a:schemeClr val="tx1"/>
+            </a:solidFill>
+          </a:ln>
         </p:spPr>
       </p:pic>
+      <p:pic>
+        <p:nvPicPr>
+          <p:cNvPr id="6" name="Picture 5">
+            <a:extLst>
+              <a:ext uri="{FF2B5EF4-FFF2-40B4-BE49-F238E27FC236}">
+                <a16:creationId xmlns:a16="http://schemas.microsoft.com/office/drawing/2014/main" id="{ED80FE51-2111-B442-8781-90AC35C361CE}"/>
+              </a:ext>
+            </a:extLst>
+          </p:cNvPr>
+          <p:cNvPicPr>
+            <a:picLocks noChangeAspect="1"/>
+          </p:cNvPicPr>
+          <p:nvPr/>
+        </p:nvPicPr>
+        <p:blipFill>
+          <a:blip r:embed="rId4"/>
+          <a:stretch>
+            <a:fillRect/>
+          </a:stretch>
+        </p:blipFill>
+        <p:spPr>
+          <a:xfrm>
+            <a:off x="735937" y="2971800"/>
+            <a:ext cx="3644900" cy="3597192"/>
+          </a:xfrm>
+          <a:prstGeom prst="rect">
+            <a:avLst/>
+          </a:prstGeom>
+          <a:ln>
+            <a:solidFill>
+              <a:schemeClr val="tx1"/>
+            </a:solidFill>
+          </a:ln>
+        </p:spPr>
+      </p:pic>
+      <p:sp>
+        <p:nvSpPr>
+          <p:cNvPr id="7" name="TextBox 6">
+            <a:extLst>
+              <a:ext uri="{FF2B5EF4-FFF2-40B4-BE49-F238E27FC236}">
+                <a16:creationId xmlns:a16="http://schemas.microsoft.com/office/drawing/2014/main" id="{42C05125-BD9A-4A41-A01B-846A2D51557D}"/>
+              </a:ext>
+            </a:extLst>
+          </p:cNvPr>
+          <p:cNvSpPr txBox="1"/>
+          <p:nvPr/>
+        </p:nvSpPr>
+        <p:spPr>
+          <a:xfrm>
+            <a:off x="4558352" y="5745707"/>
+            <a:ext cx="2074607" cy="307777"/>
+          </a:xfrm>
+          <a:prstGeom prst="rect">
+            <a:avLst/>
+          </a:prstGeom>
+          <a:noFill/>
+        </p:spPr>
+        <p:txBody>
+          <a:bodyPr wrap="none" rtlCol="0">
+            <a:spAutoFit/>
+          </a:bodyPr>
+          <a:lstStyle/>
+          <a:p>
+            <a:r>
+              <a:rPr lang="en-US" dirty="0"/>
+              <a:t>Command line interface</a:t>
+            </a:r>
+          </a:p>
+        </p:txBody>
+      </p:sp>
+      <p:sp>
+        <p:nvSpPr>
+          <p:cNvPr id="11" name="TextBox 10">
+            <a:extLst>
+              <a:ext uri="{FF2B5EF4-FFF2-40B4-BE49-F238E27FC236}">
+                <a16:creationId xmlns:a16="http://schemas.microsoft.com/office/drawing/2014/main" id="{2CB7472D-49B2-F04C-B3D5-47993C0EC401}"/>
+              </a:ext>
+            </a:extLst>
+          </p:cNvPr>
+          <p:cNvSpPr txBox="1"/>
+          <p:nvPr/>
+        </p:nvSpPr>
+        <p:spPr>
+          <a:xfrm>
+            <a:off x="6696501" y="677704"/>
+            <a:ext cx="1117614" cy="246221"/>
+          </a:xfrm>
+          <a:prstGeom prst="rect">
+            <a:avLst/>
+          </a:prstGeom>
+          <a:noFill/>
+        </p:spPr>
+        <p:txBody>
+          <a:bodyPr wrap="none" rtlCol="0">
+            <a:spAutoFit/>
+          </a:bodyPr>
+          <a:lstStyle/>
+          <a:p>
+            <a:r>
+              <a:rPr lang="en-US" sz="1000" dirty="0"/>
+              <a:t>cuppa1_state.py</a:t>
+            </a:r>
+          </a:p>
+        </p:txBody>
+      </p:sp>
     </p:spTree>
     <p:extLst>
       <p:ext uri="{BB962C8B-B14F-4D97-AF65-F5344CB8AC3E}">
@@ -8598,9 +8856,15 @@
       </p:grpSpPr>
       <p:sp>
         <p:nvSpPr>
-          <p:cNvPr id="7170" name="Rectangle 2"/>
+          <p:cNvPr id="2" name="Title 1">
+            <a:extLst>
+              <a:ext uri="{FF2B5EF4-FFF2-40B4-BE49-F238E27FC236}">
+                <a16:creationId xmlns:a16="http://schemas.microsoft.com/office/drawing/2014/main" id="{46E687E4-7DBD-B542-AE12-F63EFE280821}"/>
+              </a:ext>
+            </a:extLst>
+          </p:cNvPr>
           <p:cNvSpPr>
-            <a:spLocks noGrp="1" noChangeArrowheads="1"/>
+            <a:spLocks noGrp="1"/>
           </p:cNvSpPr>
           <p:nvPr>
             <p:ph type="title"/>
@@ -8612,130 +8876,118 @@
           <a:lstStyle/>
           <a:p>
             <a:r>
-              <a:rPr lang="en-US"/>
-              <a:t>A Pretty Printer with a Twist</a:t>
-            </a:r>
-          </a:p>
-        </p:txBody>
-      </p:sp>
-      <p:sp>
-        <p:nvSpPr>
-          <p:cNvPr id="7171" name="Rectangle 3"/>
-          <p:cNvSpPr>
-            <a:spLocks noGrp="1" noChangeArrowheads="1"/>
-          </p:cNvSpPr>
-          <p:nvPr>
-            <p:ph type="body" idx="1"/>
-          </p:nvPr>
-        </p:nvSpPr>
+              <a:rPr lang="en-US" dirty="0"/>
+              <a:t>Running the Interpreter</a:t>
+            </a:r>
+          </a:p>
+        </p:txBody>
+      </p:sp>
+      <p:pic>
+        <p:nvPicPr>
+          <p:cNvPr id="3" name="Picture 2">
+            <a:extLst>
+              <a:ext uri="{FF2B5EF4-FFF2-40B4-BE49-F238E27FC236}">
+                <a16:creationId xmlns:a16="http://schemas.microsoft.com/office/drawing/2014/main" id="{F365E34A-389F-6C4F-8E7A-6AF8FE3B72E9}"/>
+              </a:ext>
+            </a:extLst>
+          </p:cNvPr>
+          <p:cNvPicPr>
+            <a:picLocks noChangeAspect="1"/>
+          </p:cNvPicPr>
+          <p:nvPr/>
+        </p:nvPicPr>
+        <p:blipFill>
+          <a:blip r:embed="rId2"/>
+          <a:stretch>
+            <a:fillRect/>
+          </a:stretch>
+        </p:blipFill>
         <p:spPr>
           <a:xfrm>
-            <a:off x="457200" y="1719263"/>
-            <a:ext cx="8229600" cy="4452937"/>
+            <a:off x="609600" y="1752296"/>
+            <a:ext cx="3289300" cy="1846448"/>
           </a:xfrm>
+          <a:prstGeom prst="rect">
+            <a:avLst/>
+          </a:prstGeom>
+          <a:ln>
+            <a:solidFill>
+              <a:schemeClr val="tx1"/>
+            </a:solidFill>
+          </a:ln>
         </p:spPr>
-        <p:txBody>
-          <a:bodyPr>
-            <a:normAutofit lnSpcReduction="10000"/>
-          </a:bodyPr>
-          <a:lstStyle/>
-          <a:p>
-            <a:r>
-              <a:rPr lang="en-US" dirty="0"/>
-              <a:t>Our pretty printer will do the following things:</a:t>
-            </a:r>
-          </a:p>
-          <a:p>
-            <a:pPr lvl="1"/>
-            <a:r>
-              <a:rPr lang="en-US" dirty="0"/>
-              <a:t>It will read the Cuppa1 programs and construct an AST</a:t>
-            </a:r>
-          </a:p>
-          <a:p>
-            <a:pPr lvl="1"/>
-            <a:r>
-              <a:rPr lang="en-US" dirty="0"/>
-              <a:t>It will compute whether a particular variable is used in the program</a:t>
-            </a:r>
-          </a:p>
-          <a:p>
-            <a:pPr lvl="1"/>
-            <a:r>
-              <a:rPr lang="en-US" dirty="0"/>
-              <a:t>It will output a pretty printed version of the input script but </a:t>
-            </a:r>
-            <a:r>
-              <a:rPr lang="en-US" u="sng" dirty="0"/>
-              <a:t>will flag assignment/get statements to variables which are not used in the program</a:t>
-            </a:r>
-          </a:p>
-          <a:p>
-            <a:pPr marL="0" indent="0">
-              <a:buNone/>
-            </a:pPr>
-            <a:endParaRPr lang="en-US" sz="2000" dirty="0">
-              <a:latin typeface="Wingdings"/>
-              <a:ea typeface="Wingdings"/>
-              <a:cs typeface="Wingdings"/>
-              <a:sym typeface="Wingdings"/>
-            </a:endParaRPr>
-          </a:p>
-          <a:p>
-            <a:pPr marL="0" indent="0">
-              <a:buNone/>
-            </a:pPr>
-            <a:r>
-              <a:rPr lang="en-US" sz="2000" dirty="0">
-                <a:latin typeface="Wingdings"/>
-                <a:ea typeface="Wingdings"/>
-                <a:cs typeface="Wingdings"/>
-                <a:sym typeface="Wingdings"/>
-              </a:rPr>
-              <a:t></a:t>
-            </a:r>
-            <a:r>
-              <a:rPr lang="en-US" sz="2000" dirty="0">
-                <a:solidFill>
-                  <a:srgbClr val="FF0000"/>
-                </a:solidFill>
-                <a:ea typeface="Wingdings"/>
-                <a:cs typeface="Wingdings"/>
-                <a:sym typeface="Wingdings"/>
-              </a:rPr>
-              <a:t>This cannot be accomplished in a syntax directed manner </a:t>
-            </a:r>
-            <a:r>
-              <a:rPr lang="mr-IN" sz="2000" dirty="0">
-                <a:solidFill>
-                  <a:srgbClr val="FF0000"/>
-                </a:solidFill>
-                <a:ea typeface="Wingdings"/>
-                <a:cs typeface="Wingdings"/>
-                <a:sym typeface="Wingdings"/>
-              </a:rPr>
-              <a:t>–</a:t>
-            </a:r>
-            <a:r>
-              <a:rPr lang="en-US" sz="2000" dirty="0">
-                <a:solidFill>
-                  <a:srgbClr val="FF0000"/>
-                </a:solidFill>
-                <a:ea typeface="Wingdings"/>
-                <a:cs typeface="Wingdings"/>
-                <a:sym typeface="Wingdings"/>
-              </a:rPr>
-              <a:t> therefore we need the AST</a:t>
-            </a:r>
-            <a:endParaRPr lang="en-US" sz="2000" dirty="0">
-              <a:solidFill>
-                <a:srgbClr val="FF0000"/>
-              </a:solidFill>
-            </a:endParaRPr>
-          </a:p>
-        </p:txBody>
-      </p:sp>
+      </p:pic>
+      <p:pic>
+        <p:nvPicPr>
+          <p:cNvPr id="4" name="Picture 3">
+            <a:extLst>
+              <a:ext uri="{FF2B5EF4-FFF2-40B4-BE49-F238E27FC236}">
+                <a16:creationId xmlns:a16="http://schemas.microsoft.com/office/drawing/2014/main" id="{3D046286-93E7-CC43-8192-0DF8D5C9F4FB}"/>
+              </a:ext>
+            </a:extLst>
+          </p:cNvPr>
+          <p:cNvPicPr>
+            <a:picLocks noChangeAspect="1"/>
+          </p:cNvPicPr>
+          <p:nvPr/>
+        </p:nvPicPr>
+        <p:blipFill>
+          <a:blip r:embed="rId3"/>
+          <a:stretch>
+            <a:fillRect/>
+          </a:stretch>
+        </p:blipFill>
+        <p:spPr>
+          <a:xfrm>
+            <a:off x="4572000" y="1752296"/>
+            <a:ext cx="3289300" cy="1902359"/>
+          </a:xfrm>
+          <a:prstGeom prst="rect">
+            <a:avLst/>
+          </a:prstGeom>
+          <a:ln>
+            <a:solidFill>
+              <a:schemeClr val="tx1"/>
+            </a:solidFill>
+          </a:ln>
+        </p:spPr>
+      </p:pic>
+      <p:pic>
+        <p:nvPicPr>
+          <p:cNvPr id="5" name="Picture 4">
+            <a:extLst>
+              <a:ext uri="{FF2B5EF4-FFF2-40B4-BE49-F238E27FC236}">
+                <a16:creationId xmlns:a16="http://schemas.microsoft.com/office/drawing/2014/main" id="{AAE722D0-501A-8E43-9BD4-281A9579E222}"/>
+              </a:ext>
+            </a:extLst>
+          </p:cNvPr>
+          <p:cNvPicPr>
+            <a:picLocks noChangeAspect="1"/>
+          </p:cNvPicPr>
+          <p:nvPr/>
+        </p:nvPicPr>
+        <p:blipFill>
+          <a:blip r:embed="rId4"/>
+          <a:stretch>
+            <a:fillRect/>
+          </a:stretch>
+        </p:blipFill>
+        <p:spPr>
+          <a:xfrm>
+            <a:off x="1143000" y="3738579"/>
+            <a:ext cx="5715000" cy="2967021"/>
+          </a:xfrm>
+          <a:prstGeom prst="rect">
+            <a:avLst/>
+          </a:prstGeom>
+        </p:spPr>
+      </p:pic>
     </p:spTree>
+    <p:extLst>
+      <p:ext uri="{BB962C8B-B14F-4D97-AF65-F5344CB8AC3E}">
+        <p14:creationId xmlns:p14="http://schemas.microsoft.com/office/powerpoint/2010/main" val="1336842328"/>
+      </p:ext>
+    </p:extLst>
   </p:cSld>
   <p:clrMapOvr>
     <a:masterClrMapping/>
@@ -8762,6 +9014,200 @@
       </p:grpSpPr>
       <p:sp>
         <p:nvSpPr>
+          <p:cNvPr id="7170" name="Rectangle 2"/>
+          <p:cNvSpPr>
+            <a:spLocks noGrp="1" noChangeArrowheads="1"/>
+          </p:cNvSpPr>
+          <p:nvPr>
+            <p:ph type="title"/>
+          </p:nvPr>
+        </p:nvSpPr>
+        <p:spPr/>
+        <p:txBody>
+          <a:bodyPr/>
+          <a:lstStyle/>
+          <a:p>
+            <a:r>
+              <a:rPr lang="en-US"/>
+              <a:t>A Pretty Printer with a Twist</a:t>
+            </a:r>
+          </a:p>
+        </p:txBody>
+      </p:sp>
+      <p:sp>
+        <p:nvSpPr>
+          <p:cNvPr id="7171" name="Rectangle 3"/>
+          <p:cNvSpPr>
+            <a:spLocks noGrp="1" noChangeArrowheads="1"/>
+          </p:cNvSpPr>
+          <p:nvPr>
+            <p:ph type="body" idx="1"/>
+          </p:nvPr>
+        </p:nvSpPr>
+        <p:spPr>
+          <a:xfrm>
+            <a:off x="457200" y="1719263"/>
+            <a:ext cx="8229600" cy="4452937"/>
+          </a:xfrm>
+        </p:spPr>
+        <p:txBody>
+          <a:bodyPr>
+            <a:normAutofit lnSpcReduction="10000"/>
+          </a:bodyPr>
+          <a:lstStyle/>
+          <a:p>
+            <a:r>
+              <a:rPr lang="en-US" dirty="0"/>
+              <a:t>Our pretty printer will do the following things:</a:t>
+            </a:r>
+          </a:p>
+          <a:p>
+            <a:pPr lvl="1"/>
+            <a:r>
+              <a:rPr lang="en-US" dirty="0"/>
+              <a:t>It will read the Cuppa1 programs and construct an AST</a:t>
+            </a:r>
+          </a:p>
+          <a:p>
+            <a:pPr lvl="1"/>
+            <a:r>
+              <a:rPr lang="en-US" dirty="0"/>
+              <a:t>It will compute whether a particular variable is used in the program</a:t>
+            </a:r>
+          </a:p>
+          <a:p>
+            <a:pPr lvl="1"/>
+            <a:r>
+              <a:rPr lang="en-US" dirty="0"/>
+              <a:t>It will output a pretty printed version of the input script but </a:t>
+            </a:r>
+            <a:r>
+              <a:rPr lang="en-US" u="sng" dirty="0"/>
+              <a:t>will flag assignment/get statements to variables which are not used in the program</a:t>
+            </a:r>
+          </a:p>
+          <a:p>
+            <a:pPr marL="0" indent="0">
+              <a:buNone/>
+            </a:pPr>
+            <a:endParaRPr lang="en-US" sz="2000" dirty="0">
+              <a:latin typeface="Wingdings"/>
+              <a:ea typeface="Wingdings"/>
+              <a:cs typeface="Wingdings"/>
+              <a:sym typeface="Wingdings"/>
+            </a:endParaRPr>
+          </a:p>
+          <a:p>
+            <a:pPr marL="0" indent="0">
+              <a:buNone/>
+            </a:pPr>
+            <a:r>
+              <a:rPr lang="en-US" sz="2000" dirty="0">
+                <a:latin typeface="Wingdings"/>
+                <a:ea typeface="Wingdings"/>
+                <a:cs typeface="Wingdings"/>
+                <a:sym typeface="Wingdings"/>
+              </a:rPr>
+              <a:t></a:t>
+            </a:r>
+            <a:r>
+              <a:rPr lang="en-US" sz="2000" dirty="0">
+                <a:solidFill>
+                  <a:srgbClr val="FF0000"/>
+                </a:solidFill>
+                <a:ea typeface="Wingdings"/>
+                <a:cs typeface="Wingdings"/>
+                <a:sym typeface="Wingdings"/>
+              </a:rPr>
+              <a:t>This cannot be accomplished in a syntax directed manner </a:t>
+            </a:r>
+            <a:r>
+              <a:rPr lang="mr-IN" sz="2000" dirty="0">
+                <a:solidFill>
+                  <a:srgbClr val="FF0000"/>
+                </a:solidFill>
+                <a:ea typeface="Wingdings"/>
+                <a:cs typeface="Wingdings"/>
+                <a:sym typeface="Wingdings"/>
+              </a:rPr>
+              <a:t>–</a:t>
+            </a:r>
+            <a:r>
+              <a:rPr lang="en-US" sz="2000" dirty="0">
+                <a:solidFill>
+                  <a:srgbClr val="FF0000"/>
+                </a:solidFill>
+                <a:ea typeface="Wingdings"/>
+                <a:cs typeface="Wingdings"/>
+                <a:sym typeface="Wingdings"/>
+              </a:rPr>
+              <a:t> therefore we need the AST</a:t>
+            </a:r>
+            <a:endParaRPr lang="en-US" sz="2000" dirty="0">
+              <a:solidFill>
+                <a:srgbClr val="FF0000"/>
+              </a:solidFill>
+            </a:endParaRPr>
+          </a:p>
+        </p:txBody>
+      </p:sp>
+    </p:spTree>
+  </p:cSld>
+  <p:clrMapOvr>
+    <a:masterClrMapping/>
+  </p:clrMapOvr>
+</p:sld>
+</file>
+
+<file path=ppt/slides/slide14.xml><?xml version="1.0" encoding="utf-8"?>
+<p:sld xmlns:a="http://schemas.openxmlformats.org/drawingml/2006/main" xmlns:r="http://schemas.openxmlformats.org/officeDocument/2006/relationships" xmlns:p="http://schemas.openxmlformats.org/presentationml/2006/main">
+  <p:cSld>
+    <p:spTree>
+      <p:nvGrpSpPr>
+        <p:cNvPr id="1" name=""/>
+        <p:cNvGrpSpPr/>
+        <p:nvPr/>
+      </p:nvGrpSpPr>
+      <p:grpSpPr>
+        <a:xfrm>
+          <a:off x="0" y="0"/>
+          <a:ext cx="0" cy="0"/>
+          <a:chOff x="0" y="0"/>
+          <a:chExt cx="0" cy="0"/>
+        </a:xfrm>
+      </p:grpSpPr>
+      <p:pic>
+        <p:nvPicPr>
+          <p:cNvPr id="9" name="Picture 8">
+            <a:extLst>
+              <a:ext uri="{FF2B5EF4-FFF2-40B4-BE49-F238E27FC236}">
+                <a16:creationId xmlns:a16="http://schemas.microsoft.com/office/drawing/2014/main" id="{61FD3258-0116-614E-9B83-BC493D2BCC94}"/>
+              </a:ext>
+            </a:extLst>
+          </p:cNvPr>
+          <p:cNvPicPr>
+            <a:picLocks noChangeAspect="1"/>
+          </p:cNvPicPr>
+          <p:nvPr/>
+        </p:nvPicPr>
+        <p:blipFill>
+          <a:blip r:embed="rId3"/>
+          <a:stretch>
+            <a:fillRect/>
+          </a:stretch>
+        </p:blipFill>
+        <p:spPr>
+          <a:xfrm>
+            <a:off x="228600" y="1660526"/>
+            <a:ext cx="6019274" cy="3505200"/>
+          </a:xfrm>
+          <a:prstGeom prst="rect">
+            <a:avLst/>
+          </a:prstGeom>
+        </p:spPr>
+      </p:pic>
+      <p:sp>
+        <p:nvSpPr>
           <p:cNvPr id="8194" name="Rectangle 2"/>
           <p:cNvSpPr>
             <a:spLocks noGrp="1" noChangeArrowheads="1"/>
@@ -8786,113 +9232,29 @@
           </a:p>
         </p:txBody>
       </p:sp>
-      <p:sp>
-        <p:nvSpPr>
-          <p:cNvPr id="8197" name="Text Box 5"/>
-          <p:cNvSpPr txBox="1">
-            <a:spLocks noChangeArrowheads="1"/>
-          </p:cNvSpPr>
-          <p:nvPr/>
-        </p:nvSpPr>
-        <p:spPr bwMode="auto">
-          <a:xfrm>
-            <a:off x="5572125" y="1447800"/>
-            <a:ext cx="1438275" cy="1590675"/>
-          </a:xfrm>
-          <a:prstGeom prst="rect">
-            <a:avLst/>
-          </a:prstGeom>
-          <a:noFill/>
-          <a:ln w="9525">
-            <a:solidFill>
-              <a:schemeClr val="tx1"/>
-            </a:solidFill>
-            <a:miter lim="800000"/>
-            <a:headEnd/>
-            <a:tailEnd/>
-          </a:ln>
-          <a:extLst>
-            <a:ext uri="{909E8E84-426E-40dd-AFC4-6F175D3DCCD1}">
-              <a14:hiddenFill xmlns:a14="http://schemas.microsoft.com/office/drawing/2010/main" xmlns="">
-                <a:solidFill>
-                  <a:schemeClr val="accent1"/>
-                </a:solidFill>
-              </a14:hiddenFill>
-            </a:ext>
-          </a:extLst>
-        </p:spPr>
-        <p:txBody>
-          <a:bodyPr wrap="none">
-            <a:spAutoFit/>
-          </a:bodyPr>
-          <a:lstStyle/>
-          <a:p>
-            <a:r>
-              <a:rPr lang="en-US" dirty="0"/>
-              <a:t>// list of integers</a:t>
-            </a:r>
-          </a:p>
-          <a:p>
-            <a:r>
-              <a:rPr lang="en-US" dirty="0"/>
-              <a:t>get x;</a:t>
-            </a:r>
-          </a:p>
-          <a:p>
-            <a:r>
-              <a:rPr lang="en-US" dirty="0" err="1"/>
-              <a:t>i</a:t>
-            </a:r>
-            <a:r>
-              <a:rPr lang="en-US" dirty="0"/>
-              <a:t> = x;</a:t>
-            </a:r>
-          </a:p>
-          <a:p>
-            <a:r>
-              <a:rPr lang="en-US" dirty="0"/>
-              <a:t>while (1 &lt;= x) {</a:t>
-            </a:r>
-          </a:p>
-          <a:p>
-            <a:r>
-              <a:rPr lang="en-US" dirty="0"/>
-              <a:t>       put x;</a:t>
-            </a:r>
-          </a:p>
-          <a:p>
-            <a:r>
-              <a:rPr lang="en-US" dirty="0"/>
-              <a:t>       x = x - 1;</a:t>
-            </a:r>
-          </a:p>
-          <a:p>
-            <a:r>
-              <a:rPr lang="en-US" dirty="0"/>
-              <a:t>}</a:t>
-            </a:r>
-          </a:p>
-        </p:txBody>
-      </p:sp>
       <p:grpSp>
         <p:nvGrpSpPr>
-          <p:cNvPr id="8200" name="Group 8"/>
-          <p:cNvGrpSpPr>
-            <a:grpSpLocks/>
-          </p:cNvGrpSpPr>
+          <p:cNvPr id="3" name="Group 2">
+            <a:extLst>
+              <a:ext uri="{FF2B5EF4-FFF2-40B4-BE49-F238E27FC236}">
+                <a16:creationId xmlns:a16="http://schemas.microsoft.com/office/drawing/2014/main" id="{F20A9738-9EE3-7C4A-8697-824817CFA664}"/>
+              </a:ext>
+            </a:extLst>
+          </p:cNvPr>
+          <p:cNvGrpSpPr/>
           <p:nvPr/>
         </p:nvGrpSpPr>
-        <p:grpSpPr bwMode="auto">
+        <p:grpSpPr>
           <a:xfrm>
-            <a:off x="5334000" y="3429000"/>
-            <a:ext cx="2125663" cy="2519363"/>
-            <a:chOff x="3696" y="2400"/>
-            <a:chExt cx="1339" cy="1587"/>
+            <a:off x="5943600" y="1447800"/>
+            <a:ext cx="2125663" cy="4500563"/>
+            <a:chOff x="5334000" y="1447800"/>
+            <a:chExt cx="2125663" cy="4500563"/>
           </a:xfrm>
         </p:grpSpPr>
         <p:sp>
           <p:nvSpPr>
-            <p:cNvPr id="8198" name="Text Box 6"/>
+            <p:cNvPr id="8197" name="Text Box 5"/>
             <p:cNvSpPr txBox="1">
               <a:spLocks noChangeArrowheads="1"/>
             </p:cNvSpPr>
@@ -8900,13 +9262,15 @@
           </p:nvSpPr>
           <p:spPr bwMode="auto">
             <a:xfrm>
-              <a:off x="3696" y="2985"/>
-              <a:ext cx="1339" cy="1002"/>
+              <a:off x="5572125" y="1447800"/>
+              <a:ext cx="1438275" cy="1590675"/>
             </a:xfrm>
             <a:prstGeom prst="rect">
               <a:avLst/>
             </a:prstGeom>
-            <a:noFill/>
+            <a:solidFill>
+              <a:schemeClr val="bg1"/>
+            </a:solidFill>
             <a:ln w="9525">
               <a:solidFill>
                 <a:schemeClr val="tx1"/>
@@ -8932,95 +9296,222 @@
             <a:lstStyle/>
             <a:p>
               <a:r>
-                <a:rPr lang="en-US"/>
-                <a:t>get x</a:t>
+                <a:rPr lang="en-US" dirty="0"/>
+                <a:t>// list of integers</a:t>
               </a:r>
             </a:p>
             <a:p>
               <a:r>
-                <a:rPr lang="en-US"/>
-                <a:t>i = x</a:t>
-              </a:r>
-              <a:r>
-                <a:rPr lang="en-US">
-                  <a:solidFill>
-                    <a:srgbClr val="FF0000"/>
-                  </a:solidFill>
-                </a:rPr>
-                <a:t>  // -- var i unused -- </a:t>
+                <a:rPr lang="en-US" dirty="0"/>
+                <a:t>get x;</a:t>
               </a:r>
             </a:p>
             <a:p>
               <a:r>
-                <a:rPr lang="en-US"/>
-                <a:t>while ( 1 &lt;= x )</a:t>
+                <a:rPr lang="en-US" dirty="0" err="1"/>
+                <a:t>i</a:t>
+              </a:r>
+              <a:r>
+                <a:rPr lang="en-US" dirty="0"/>
+                <a:t> = x;</a:t>
               </a:r>
             </a:p>
             <a:p>
               <a:r>
-                <a:rPr lang="en-US"/>
-                <a:t>{</a:t>
+                <a:rPr lang="en-US" dirty="0"/>
+                <a:t>while (1 &lt;= x) {</a:t>
               </a:r>
             </a:p>
             <a:p>
               <a:r>
-                <a:rPr lang="en-US"/>
-                <a:t>     put x</a:t>
+                <a:rPr lang="en-US" dirty="0"/>
+                <a:t>       put x;</a:t>
               </a:r>
             </a:p>
             <a:p>
               <a:r>
-                <a:rPr lang="en-US"/>
-                <a:t>     x = x - 1</a:t>
+                <a:rPr lang="en-US" dirty="0"/>
+                <a:t>       x = x - 1;</a:t>
               </a:r>
             </a:p>
             <a:p>
               <a:r>
-                <a:rPr lang="en-US"/>
+                <a:rPr lang="en-US" dirty="0"/>
                 <a:t>}</a:t>
               </a:r>
             </a:p>
           </p:txBody>
         </p:sp>
-        <p:sp>
-          <p:nvSpPr>
-            <p:cNvPr id="8199" name="AutoShape 7"/>
-            <p:cNvSpPr>
-              <a:spLocks noChangeArrowheads="1"/>
-            </p:cNvSpPr>
+        <p:grpSp>
+          <p:nvGrpSpPr>
+            <p:cNvPr id="8200" name="Group 8"/>
+            <p:cNvGrpSpPr>
+              <a:grpSpLocks/>
+            </p:cNvGrpSpPr>
             <p:nvPr/>
-          </p:nvSpPr>
-          <p:spPr bwMode="auto">
+          </p:nvGrpSpPr>
+          <p:grpSpPr bwMode="auto">
             <a:xfrm>
-              <a:off x="4176" y="2400"/>
-              <a:ext cx="306" cy="432"/>
+              <a:off x="5334000" y="3429000"/>
+              <a:ext cx="2125663" cy="2519363"/>
+              <a:chOff x="3696" y="2400"/>
+              <a:chExt cx="1339" cy="1587"/>
             </a:xfrm>
-            <a:prstGeom prst="downArrow">
-              <a:avLst>
-                <a:gd name="adj1" fmla="val 50000"/>
-                <a:gd name="adj2" fmla="val 35294"/>
-              </a:avLst>
-            </a:prstGeom>
-            <a:solidFill>
-              <a:srgbClr val="FF0000"/>
-            </a:solidFill>
-            <a:ln w="9525">
+          </p:grpSpPr>
+          <p:sp>
+            <p:nvSpPr>
+              <p:cNvPr id="8198" name="Text Box 6"/>
+              <p:cNvSpPr txBox="1">
+                <a:spLocks noChangeArrowheads="1"/>
+              </p:cNvSpPr>
+              <p:nvPr/>
+            </p:nvSpPr>
+            <p:spPr bwMode="auto">
+              <a:xfrm>
+                <a:off x="3696" y="2985"/>
+                <a:ext cx="1339" cy="1002"/>
+              </a:xfrm>
+              <a:prstGeom prst="rect">
+                <a:avLst/>
+              </a:prstGeom>
               <a:solidFill>
-                <a:schemeClr val="tx1"/>
+                <a:schemeClr val="bg1"/>
               </a:solidFill>
-              <a:miter lim="800000"/>
-              <a:headEnd/>
-              <a:tailEnd/>
-            </a:ln>
-          </p:spPr>
-          <p:txBody>
-            <a:bodyPr wrap="none" anchor="ctr"/>
-            <a:lstStyle/>
-            <a:p>
-              <a:endParaRPr lang="en-US"/>
-            </a:p>
-          </p:txBody>
-        </p:sp>
+              <a:ln w="9525">
+                <a:solidFill>
+                  <a:schemeClr val="tx1"/>
+                </a:solidFill>
+                <a:miter lim="800000"/>
+                <a:headEnd/>
+                <a:tailEnd/>
+              </a:ln>
+              <a:extLst>
+                <a:ext uri="{909E8E84-426E-40dd-AFC4-6F175D3DCCD1}">
+                  <a14:hiddenFill xmlns:a14="http://schemas.microsoft.com/office/drawing/2010/main" xmlns="">
+                    <a:solidFill>
+                      <a:schemeClr val="accent1"/>
+                    </a:solidFill>
+                  </a14:hiddenFill>
+                </a:ext>
+              </a:extLst>
+            </p:spPr>
+            <p:txBody>
+              <a:bodyPr wrap="none">
+                <a:spAutoFit/>
+              </a:bodyPr>
+              <a:lstStyle/>
+              <a:p>
+                <a:r>
+                  <a:rPr lang="en-US" dirty="0"/>
+                  <a:t>get x</a:t>
+                </a:r>
+              </a:p>
+              <a:p>
+                <a:r>
+                  <a:rPr lang="en-US" dirty="0" err="1"/>
+                  <a:t>i</a:t>
+                </a:r>
+                <a:r>
+                  <a:rPr lang="en-US" dirty="0"/>
+                  <a:t> = x</a:t>
+                </a:r>
+                <a:r>
+                  <a:rPr lang="en-US" dirty="0">
+                    <a:solidFill>
+                      <a:srgbClr val="FF0000"/>
+                    </a:solidFill>
+                  </a:rPr>
+                  <a:t>  // -- var </a:t>
+                </a:r>
+                <a:r>
+                  <a:rPr lang="en-US" dirty="0" err="1">
+                    <a:solidFill>
+                      <a:srgbClr val="FF0000"/>
+                    </a:solidFill>
+                  </a:rPr>
+                  <a:t>i</a:t>
+                </a:r>
+                <a:r>
+                  <a:rPr lang="en-US" dirty="0">
+                    <a:solidFill>
+                      <a:srgbClr val="FF0000"/>
+                    </a:solidFill>
+                  </a:rPr>
+                  <a:t> unused -- </a:t>
+                </a:r>
+              </a:p>
+              <a:p>
+                <a:r>
+                  <a:rPr lang="en-US" dirty="0"/>
+                  <a:t>while ( 1 &lt;= x )</a:t>
+                </a:r>
+              </a:p>
+              <a:p>
+                <a:r>
+                  <a:rPr lang="en-US" dirty="0"/>
+                  <a:t>{</a:t>
+                </a:r>
+              </a:p>
+              <a:p>
+                <a:r>
+                  <a:rPr lang="en-US" dirty="0"/>
+                  <a:t>     put x</a:t>
+                </a:r>
+              </a:p>
+              <a:p>
+                <a:r>
+                  <a:rPr lang="en-US" dirty="0"/>
+                  <a:t>     x = x - 1</a:t>
+                </a:r>
+              </a:p>
+              <a:p>
+                <a:r>
+                  <a:rPr lang="en-US" dirty="0"/>
+                  <a:t>}</a:t>
+                </a:r>
+              </a:p>
+            </p:txBody>
+          </p:sp>
+          <p:sp>
+            <p:nvSpPr>
+              <p:cNvPr id="8199" name="AutoShape 7"/>
+              <p:cNvSpPr>
+                <a:spLocks noChangeArrowheads="1"/>
+              </p:cNvSpPr>
+              <p:nvPr/>
+            </p:nvSpPr>
+            <p:spPr bwMode="auto">
+              <a:xfrm>
+                <a:off x="4176" y="2400"/>
+                <a:ext cx="306" cy="432"/>
+              </a:xfrm>
+              <a:prstGeom prst="downArrow">
+                <a:avLst>
+                  <a:gd name="adj1" fmla="val 50000"/>
+                  <a:gd name="adj2" fmla="val 35294"/>
+                </a:avLst>
+              </a:prstGeom>
+              <a:solidFill>
+                <a:srgbClr val="FF0000"/>
+              </a:solidFill>
+              <a:ln w="9525">
+                <a:solidFill>
+                  <a:schemeClr val="tx1"/>
+                </a:solidFill>
+                <a:miter lim="800000"/>
+                <a:headEnd/>
+                <a:tailEnd/>
+              </a:ln>
+            </p:spPr>
+            <p:txBody>
+              <a:bodyPr wrap="none" anchor="ctr"/>
+              <a:lstStyle/>
+              <a:p>
+                <a:endParaRPr lang="en-US"/>
+              </a:p>
+            </p:txBody>
+          </p:sp>
+        </p:grpSp>
       </p:grpSp>
       <p:sp>
         <p:nvSpPr>
@@ -9084,35 +9575,6 @@
           </a:p>
         </p:txBody>
       </p:sp>
-      <p:pic>
-        <p:nvPicPr>
-          <p:cNvPr id="2" name="Picture 1"/>
-          <p:cNvPicPr>
-            <a:picLocks noChangeAspect="1"/>
-          </p:cNvPicPr>
-          <p:nvPr/>
-        </p:nvPicPr>
-        <p:blipFill>
-          <a:blip r:embed="rId3"/>
-          <a:stretch>
-            <a:fillRect/>
-          </a:stretch>
-        </p:blipFill>
-        <p:spPr>
-          <a:xfrm>
-            <a:off x="1066800" y="1435100"/>
-            <a:ext cx="2438400" cy="4548554"/>
-          </a:xfrm>
-          <a:prstGeom prst="rect">
-            <a:avLst/>
-          </a:prstGeom>
-          <a:ln>
-            <a:solidFill>
-              <a:schemeClr val="tx1"/>
-            </a:solidFill>
-          </a:ln>
-        </p:spPr>
-      </p:pic>
     </p:spTree>
   </p:cSld>
   <p:clrMapOvr>
@@ -9152,7 +9614,7 @@
                                           </p:stCondLst>
                                         </p:cTn>
                                         <p:tgtEl>
-                                          <p:spTgt spid="8197"/>
+                                          <p:spTgt spid="8201"/>
                                         </p:tgtEl>
                                         <p:attrNameLst>
                                           <p:attrName>style.visibility</p:attrName>
@@ -9165,188 +9627,6 @@
                                     <p:anim calcmode="lin" valueType="num">
                                       <p:cBhvr additive="base">
                                         <p:cTn id="7" dur="500" fill="hold"/>
-                                        <p:tgtEl>
-                                          <p:spTgt spid="8197"/>
-                                        </p:tgtEl>
-                                        <p:attrNameLst>
-                                          <p:attrName>ppt_x</p:attrName>
-                                        </p:attrNameLst>
-                                      </p:cBhvr>
-                                      <p:tavLst>
-                                        <p:tav tm="0">
-                                          <p:val>
-                                            <p:strVal val="#ppt_x"/>
-                                          </p:val>
-                                        </p:tav>
-                                        <p:tav tm="100000">
-                                          <p:val>
-                                            <p:strVal val="#ppt_x"/>
-                                          </p:val>
-                                        </p:tav>
-                                      </p:tavLst>
-                                    </p:anim>
-                                    <p:anim calcmode="lin" valueType="num">
-                                      <p:cBhvr additive="base">
-                                        <p:cTn id="8" dur="500" fill="hold"/>
-                                        <p:tgtEl>
-                                          <p:spTgt spid="8197"/>
-                                        </p:tgtEl>
-                                        <p:attrNameLst>
-                                          <p:attrName>ppt_y</p:attrName>
-                                        </p:attrNameLst>
-                                      </p:cBhvr>
-                                      <p:tavLst>
-                                        <p:tav tm="0">
-                                          <p:val>
-                                            <p:strVal val="1+#ppt_h/2"/>
-                                          </p:val>
-                                        </p:tav>
-                                        <p:tav tm="100000">
-                                          <p:val>
-                                            <p:strVal val="#ppt_y"/>
-                                          </p:val>
-                                        </p:tav>
-                                      </p:tavLst>
-                                    </p:anim>
-                                  </p:childTnLst>
-                                </p:cTn>
-                              </p:par>
-                            </p:childTnLst>
-                          </p:cTn>
-                        </p:par>
-                      </p:childTnLst>
-                    </p:cTn>
-                  </p:par>
-                  <p:par>
-                    <p:cTn id="9" fill="hold" nodeType="clickPar">
-                      <p:stCondLst>
-                        <p:cond delay="indefinite"/>
-                      </p:stCondLst>
-                      <p:childTnLst>
-                        <p:par>
-                          <p:cTn id="10" fill="hold" nodeType="withGroup">
-                            <p:stCondLst>
-                              <p:cond delay="0"/>
-                            </p:stCondLst>
-                            <p:childTnLst>
-                              <p:par>
-                                <p:cTn id="11" presetID="2" presetClass="entr" presetSubtype="4" fill="hold" nodeType="clickEffect">
-                                  <p:stCondLst>
-                                    <p:cond delay="0"/>
-                                  </p:stCondLst>
-                                  <p:childTnLst>
-                                    <p:set>
-                                      <p:cBhvr>
-                                        <p:cTn id="12" dur="1" fill="hold">
-                                          <p:stCondLst>
-                                            <p:cond delay="0"/>
-                                          </p:stCondLst>
-                                        </p:cTn>
-                                        <p:tgtEl>
-                                          <p:spTgt spid="8200"/>
-                                        </p:tgtEl>
-                                        <p:attrNameLst>
-                                          <p:attrName>style.visibility</p:attrName>
-                                        </p:attrNameLst>
-                                      </p:cBhvr>
-                                      <p:to>
-                                        <p:strVal val="visible"/>
-                                      </p:to>
-                                    </p:set>
-                                    <p:anim calcmode="lin" valueType="num">
-                                      <p:cBhvr additive="base">
-                                        <p:cTn id="13" dur="500" fill="hold"/>
-                                        <p:tgtEl>
-                                          <p:spTgt spid="8200"/>
-                                        </p:tgtEl>
-                                        <p:attrNameLst>
-                                          <p:attrName>ppt_x</p:attrName>
-                                        </p:attrNameLst>
-                                      </p:cBhvr>
-                                      <p:tavLst>
-                                        <p:tav tm="0">
-                                          <p:val>
-                                            <p:strVal val="#ppt_x"/>
-                                          </p:val>
-                                        </p:tav>
-                                        <p:tav tm="100000">
-                                          <p:val>
-                                            <p:strVal val="#ppt_x"/>
-                                          </p:val>
-                                        </p:tav>
-                                      </p:tavLst>
-                                    </p:anim>
-                                    <p:anim calcmode="lin" valueType="num">
-                                      <p:cBhvr additive="base">
-                                        <p:cTn id="14" dur="500" fill="hold"/>
-                                        <p:tgtEl>
-                                          <p:spTgt spid="8200"/>
-                                        </p:tgtEl>
-                                        <p:attrNameLst>
-                                          <p:attrName>ppt_y</p:attrName>
-                                        </p:attrNameLst>
-                                      </p:cBhvr>
-                                      <p:tavLst>
-                                        <p:tav tm="0">
-                                          <p:val>
-                                            <p:strVal val="1+#ppt_h/2"/>
-                                          </p:val>
-                                        </p:tav>
-                                        <p:tav tm="100000">
-                                          <p:val>
-                                            <p:strVal val="#ppt_y"/>
-                                          </p:val>
-                                        </p:tav>
-                                      </p:tavLst>
-                                    </p:anim>
-                                  </p:childTnLst>
-                                </p:cTn>
-                              </p:par>
-                            </p:childTnLst>
-                          </p:cTn>
-                        </p:par>
-                      </p:childTnLst>
-                    </p:cTn>
-                  </p:par>
-                  <p:par>
-                    <p:cTn id="15" fill="hold" nodeType="clickPar">
-                      <p:stCondLst>
-                        <p:cond delay="indefinite"/>
-                      </p:stCondLst>
-                      <p:childTnLst>
-                        <p:par>
-                          <p:cTn id="16" fill="hold" nodeType="withGroup">
-                            <p:stCondLst>
-                              <p:cond delay="0"/>
-                            </p:stCondLst>
-                            <p:childTnLst>
-                              <p:par>
-                                <p:cTn id="17" presetID="2" presetClass="entr" presetSubtype="4" fill="hold" grpId="0" nodeType="clickEffect">
-                                  <p:stCondLst>
-                                    <p:cond delay="0"/>
-                                  </p:stCondLst>
-                                  <p:childTnLst>
-                                    <p:set>
-                                      <p:cBhvr>
-                                        <p:cTn id="18" dur="1" fill="hold">
-                                          <p:stCondLst>
-                                            <p:cond delay="0"/>
-                                          </p:stCondLst>
-                                        </p:cTn>
-                                        <p:tgtEl>
-                                          <p:spTgt spid="8201"/>
-                                        </p:tgtEl>
-                                        <p:attrNameLst>
-                                          <p:attrName>style.visibility</p:attrName>
-                                        </p:attrNameLst>
-                                      </p:cBhvr>
-                                      <p:to>
-                                        <p:strVal val="visible"/>
-                                      </p:to>
-                                    </p:set>
-                                    <p:anim calcmode="lin" valueType="num">
-                                      <p:cBhvr additive="base">
-                                        <p:cTn id="19" dur="500" fill="hold"/>
                                         <p:tgtEl>
                                           <p:spTgt spid="8201"/>
                                         </p:tgtEl>
@@ -9369,7 +9649,7 @@
                                     </p:anim>
                                     <p:anim calcmode="lin" valueType="num">
                                       <p:cBhvr additive="base">
-                                        <p:cTn id="20" dur="500" fill="hold"/>
+                                        <p:cTn id="8" dur="500" fill="hold"/>
                                         <p:tgtEl>
                                           <p:spTgt spid="8201"/>
                                         </p:tgtEl>
@@ -9421,14 +9701,13 @@
       </p:par>
     </p:tnLst>
     <p:bldLst>
-      <p:bldP spid="8197" grpId="0" animBg="1"/>
       <p:bldP spid="8201" grpId="0" animBg="1"/>
     </p:bldLst>
   </p:timing>
 </p:sld>
 </file>
 
-<file path=ppt/slides/slide14.xml><?xml version="1.0" encoding="utf-8"?>
+<file path=ppt/slides/slide15.xml><?xml version="1.0" encoding="utf-8"?>
 <p:sld xmlns:a="http://schemas.openxmlformats.org/drawingml/2006/main" xmlns:r="http://schemas.openxmlformats.org/officeDocument/2006/relationships" xmlns:p="http://schemas.openxmlformats.org/presentationml/2006/main">
   <p:cSld>
     <p:spTree>
@@ -9484,7 +9763,9 @@
           </a:xfrm>
         </p:spPr>
         <p:txBody>
-          <a:bodyPr/>
+          <a:bodyPr>
+            <a:normAutofit fontScale="92500"/>
+          </a:bodyPr>
           <a:lstStyle/>
           <a:p>
             <a:pPr>
@@ -9505,7 +9786,18 @@
             </a:pPr>
             <a:r>
               <a:rPr lang="en-US" dirty="0"/>
-              <a:t>Read input file and construct AST/Collect info</a:t>
+              <a:t>Read input file and construct AST</a:t>
+            </a:r>
+          </a:p>
+          <a:p>
+            <a:pPr lvl="1">
+              <a:lnSpc>
+                <a:spcPct val="90000"/>
+              </a:lnSpc>
+            </a:pPr>
+            <a:r>
+              <a:rPr lang="en-US" dirty="0"/>
+              <a:t>Usage/Semantic Analysis</a:t>
             </a:r>
           </a:p>
           <a:p>
@@ -10058,7 +10350,7 @@
 </p:sld>
 </file>
 
-<file path=ppt/slides/slide15.xml><?xml version="1.0" encoding="utf-8"?>
+<file path=ppt/slides/slide16.xml><?xml version="1.0" encoding="utf-8"?>
 <p:sld xmlns:a="http://schemas.openxmlformats.org/drawingml/2006/main" xmlns:r="http://schemas.openxmlformats.org/officeDocument/2006/relationships" xmlns:p="http://schemas.openxmlformats.org/presentationml/2006/main">
   <p:cSld>
     <p:spTree>
@@ -10154,123 +10446,6 @@
     <p:extLst>
       <p:ext uri="{BB962C8B-B14F-4D97-AF65-F5344CB8AC3E}">
         <p14:creationId xmlns:p14="http://schemas.microsoft.com/office/powerpoint/2010/main" val="2104832462"/>
-      </p:ext>
-    </p:extLst>
-  </p:cSld>
-  <p:clrMapOvr>
-    <a:masterClrMapping/>
-  </p:clrMapOvr>
-</p:sld>
-</file>
-
-<file path=ppt/slides/slide16.xml><?xml version="1.0" encoding="utf-8"?>
-<p:sld xmlns:a="http://schemas.openxmlformats.org/drawingml/2006/main" xmlns:r="http://schemas.openxmlformats.org/officeDocument/2006/relationships" xmlns:p="http://schemas.openxmlformats.org/presentationml/2006/main">
-  <p:cSld>
-    <p:spTree>
-      <p:nvGrpSpPr>
-        <p:cNvPr id="1" name=""/>
-        <p:cNvGrpSpPr/>
-        <p:nvPr/>
-      </p:nvGrpSpPr>
-      <p:grpSpPr>
-        <a:xfrm>
-          <a:off x="0" y="0"/>
-          <a:ext cx="0" cy="0"/>
-          <a:chOff x="0" y="0"/>
-          <a:chExt cx="0" cy="0"/>
-        </a:xfrm>
-      </p:grpSpPr>
-      <p:sp>
-        <p:nvSpPr>
-          <p:cNvPr id="2" name="Title 1"/>
-          <p:cNvSpPr>
-            <a:spLocks noGrp="1"/>
-          </p:cNvSpPr>
-          <p:nvPr>
-            <p:ph type="title"/>
-          </p:nvPr>
-        </p:nvSpPr>
-        <p:spPr/>
-        <p:txBody>
-          <a:bodyPr/>
-          <a:lstStyle/>
-          <a:p>
-            <a:r>
-              <a:rPr lang="en-US" dirty="0"/>
-              <a:t>PP1: Variable Usage</a:t>
-            </a:r>
-          </a:p>
-        </p:txBody>
-      </p:sp>
-      <p:sp>
-        <p:nvSpPr>
-          <p:cNvPr id="3" name="Content Placeholder 2"/>
-          <p:cNvSpPr>
-            <a:spLocks noGrp="1"/>
-          </p:cNvSpPr>
-          <p:nvPr>
-            <p:ph idx="1"/>
-          </p:nvPr>
-        </p:nvSpPr>
-        <p:spPr/>
-        <p:txBody>
-          <a:bodyPr>
-            <a:normAutofit fontScale="92500" lnSpcReduction="10000"/>
-          </a:bodyPr>
-          <a:lstStyle/>
-          <a:p>
-            <a:r>
-              <a:rPr lang="en-US" dirty="0"/>
-              <a:t>The first pass of the pretty printer walks the AST and looks for variables in expressions</a:t>
-            </a:r>
-          </a:p>
-          <a:p>
-            <a:pPr lvl="1"/>
-            <a:r>
-              <a:rPr lang="en-US" dirty="0"/>
-              <a:t>only those count as usage points. </a:t>
-            </a:r>
-          </a:p>
-          <a:p>
-            <a:r>
-              <a:rPr lang="en-US" dirty="0"/>
-              <a:t>A peek at the tree walker for the first pass,</a:t>
-            </a:r>
-            <a:br>
-              <a:rPr lang="en-US" dirty="0"/>
-            </a:br>
-            <a:r>
-              <a:rPr lang="en-US" dirty="0"/>
-              <a:t>   cuppa1_pp1_walk.py</a:t>
-            </a:r>
-            <a:br>
-              <a:rPr lang="en-US" dirty="0"/>
-            </a:br>
-            <a:r>
-              <a:rPr lang="en-US" dirty="0"/>
-              <a:t>shows that it literally just walks the tree doing nothing until it finds a variable in an expression. </a:t>
-            </a:r>
-          </a:p>
-          <a:p>
-            <a:r>
-              <a:rPr lang="en-US" dirty="0"/>
-              <a:t>If it finds a variable in an expression then the node function for </a:t>
-            </a:r>
-            <a:r>
-              <a:rPr lang="en-US" dirty="0" err="1"/>
-              <a:t>id_exp</a:t>
-            </a:r>
-            <a:r>
-              <a:rPr lang="en-US" dirty="0"/>
-              <a:t> marks the variable in the symbol table as used,</a:t>
-            </a:r>
-          </a:p>
-        </p:txBody>
-      </p:sp>
-    </p:spTree>
-    <p:extLst>
-      <p:ext uri="{BB962C8B-B14F-4D97-AF65-F5344CB8AC3E}">
-        <p14:creationId xmlns:p14="http://schemas.microsoft.com/office/powerpoint/2010/main" val="761094998"/>
       </p:ext>
     </p:extLst>
   </p:cSld>
@@ -10319,155 +10494,75 @@
           </a:p>
         </p:txBody>
       </p:sp>
-      <p:pic>
-        <p:nvPicPr>
-          <p:cNvPr id="4" name="Picture 3"/>
-          <p:cNvPicPr>
-            <a:picLocks noChangeAspect="1"/>
-          </p:cNvPicPr>
-          <p:nvPr/>
-        </p:nvPicPr>
-        <p:blipFill>
-          <a:blip r:embed="rId2"/>
-          <a:stretch>
-            <a:fillRect/>
-          </a:stretch>
-        </p:blipFill>
-        <p:spPr>
-          <a:xfrm>
-            <a:off x="457200" y="1752600"/>
-            <a:ext cx="2819400" cy="1042384"/>
-          </a:xfrm>
-          <a:prstGeom prst="rect">
-            <a:avLst/>
-          </a:prstGeom>
-          <a:ln>
-            <a:solidFill>
-              <a:schemeClr val="tx1"/>
-            </a:solidFill>
-          </a:ln>
-        </p:spPr>
-      </p:pic>
-      <p:pic>
-        <p:nvPicPr>
-          <p:cNvPr id="5" name="Picture 4"/>
-          <p:cNvPicPr>
-            <a:picLocks noChangeAspect="1"/>
-          </p:cNvPicPr>
-          <p:nvPr/>
-        </p:nvPicPr>
-        <p:blipFill>
-          <a:blip r:embed="rId3"/>
-          <a:stretch>
-            <a:fillRect/>
-          </a:stretch>
-        </p:blipFill>
-        <p:spPr>
-          <a:xfrm>
-            <a:off x="304800" y="2895600"/>
-            <a:ext cx="2571750" cy="1172560"/>
-          </a:xfrm>
-          <a:prstGeom prst="rect">
-            <a:avLst/>
-          </a:prstGeom>
-          <a:ln>
-            <a:solidFill>
-              <a:schemeClr val="tx1"/>
-            </a:solidFill>
-          </a:ln>
-        </p:spPr>
-      </p:pic>
-      <p:pic>
-        <p:nvPicPr>
-          <p:cNvPr id="6" name="Picture 5"/>
-          <p:cNvPicPr>
-            <a:picLocks noChangeAspect="1"/>
-          </p:cNvPicPr>
-          <p:nvPr/>
-        </p:nvPicPr>
-        <p:blipFill>
-          <a:blip r:embed="rId4"/>
-          <a:stretch>
-            <a:fillRect/>
-          </a:stretch>
-        </p:blipFill>
-        <p:spPr>
-          <a:xfrm>
-            <a:off x="457200" y="4495800"/>
-            <a:ext cx="4425950" cy="1307447"/>
-          </a:xfrm>
-          <a:prstGeom prst="rect">
-            <a:avLst/>
-          </a:prstGeom>
-          <a:ln>
-            <a:solidFill>
-              <a:schemeClr val="tx1"/>
-            </a:solidFill>
-          </a:ln>
-        </p:spPr>
-      </p:pic>
-      <p:sp>
-        <p:nvSpPr>
-          <p:cNvPr id="7" name="TextBox 6"/>
-          <p:cNvSpPr txBox="1"/>
-          <p:nvPr/>
-        </p:nvSpPr>
-        <p:spPr>
-          <a:xfrm>
-            <a:off x="4144488" y="2980706"/>
-            <a:ext cx="1949060" cy="307777"/>
-          </a:xfrm>
-          <a:prstGeom prst="rect">
-            <a:avLst/>
-          </a:prstGeom>
-          <a:noFill/>
-        </p:spPr>
-        <p:txBody>
-          <a:bodyPr wrap="none" rtlCol="0">
-            <a:spAutoFit/>
+      <p:sp>
+        <p:nvSpPr>
+          <p:cNvPr id="3" name="Content Placeholder 2"/>
+          <p:cNvSpPr>
+            <a:spLocks noGrp="1"/>
+          </p:cNvSpPr>
+          <p:nvPr>
+            <p:ph idx="1"/>
+          </p:nvPr>
+        </p:nvSpPr>
+        <p:spPr/>
+        <p:txBody>
+          <a:bodyPr>
+            <a:normAutofit fontScale="92500" lnSpcReduction="10000"/>
           </a:bodyPr>
           <a:lstStyle/>
           <a:p>
             <a:r>
               <a:rPr lang="en-US" dirty="0"/>
-              <a:t>Just Walking the Tree!</a:t>
-            </a:r>
-          </a:p>
-        </p:txBody>
-      </p:sp>
-      <p:pic>
-        <p:nvPicPr>
-          <p:cNvPr id="8" name="Picture 7"/>
-          <p:cNvPicPr>
-            <a:picLocks noChangeAspect="1"/>
-          </p:cNvPicPr>
-          <p:nvPr/>
-        </p:nvPicPr>
-        <p:blipFill>
-          <a:blip r:embed="rId5"/>
-          <a:stretch>
-            <a:fillRect/>
-          </a:stretch>
-        </p:blipFill>
-        <p:spPr>
-          <a:xfrm>
-            <a:off x="2672567" y="3549810"/>
-            <a:ext cx="2978150" cy="732170"/>
-          </a:xfrm>
-          <a:prstGeom prst="rect">
-            <a:avLst/>
-          </a:prstGeom>
-          <a:ln>
-            <a:solidFill>
-              <a:schemeClr val="tx1"/>
-            </a:solidFill>
-          </a:ln>
-        </p:spPr>
-      </p:pic>
+              <a:t>The first pass of the pretty printer walks the AST and looks for variables in expressions</a:t>
+            </a:r>
+          </a:p>
+          <a:p>
+            <a:pPr lvl="1"/>
+            <a:r>
+              <a:rPr lang="en-US" dirty="0"/>
+              <a:t>only those count as usage points. </a:t>
+            </a:r>
+          </a:p>
+          <a:p>
+            <a:r>
+              <a:rPr lang="en-US" dirty="0"/>
+              <a:t>A peek at the tree walker for the first pass,</a:t>
+            </a:r>
+            <a:br>
+              <a:rPr lang="en-US" dirty="0"/>
+            </a:br>
+            <a:r>
+              <a:rPr lang="en-US" dirty="0"/>
+              <a:t>   cuppa1_pp1_walk.py</a:t>
+            </a:r>
+            <a:br>
+              <a:rPr lang="en-US" dirty="0"/>
+            </a:br>
+            <a:r>
+              <a:rPr lang="en-US" dirty="0"/>
+              <a:t>shows that it literally just walks the tree doing nothing until it finds a variable in an expression. </a:t>
+            </a:r>
+          </a:p>
+          <a:p>
+            <a:r>
+              <a:rPr lang="en-US" dirty="0"/>
+              <a:t>If it finds a variable in an expression then the node function for </a:t>
+            </a:r>
+            <a:r>
+              <a:rPr lang="en-US" dirty="0" err="1"/>
+              <a:t>id_exp</a:t>
+            </a:r>
+            <a:r>
+              <a:rPr lang="en-US" dirty="0"/>
+              <a:t> marks the variable in the symbol table as used,</a:t>
+            </a:r>
+          </a:p>
+        </p:txBody>
+      </p:sp>
     </p:spTree>
     <p:extLst>
       <p:ext uri="{BB962C8B-B14F-4D97-AF65-F5344CB8AC3E}">
-        <p14:creationId xmlns:p14="http://schemas.microsoft.com/office/powerpoint/2010/main" val="1929869038"/>
+        <p14:creationId xmlns:p14="http://schemas.microsoft.com/office/powerpoint/2010/main" val="761094998"/>
       </p:ext>
     </p:extLst>
   </p:cSld>
@@ -10494,31 +10589,15 @@
           <a:chExt cx="0" cy="0"/>
         </a:xfrm>
       </p:grpSpPr>
-      <p:sp>
-        <p:nvSpPr>
-          <p:cNvPr id="2" name="Title 1"/>
-          <p:cNvSpPr>
-            <a:spLocks noGrp="1"/>
-          </p:cNvSpPr>
-          <p:nvPr>
-            <p:ph type="title"/>
-          </p:nvPr>
-        </p:nvSpPr>
-        <p:spPr/>
-        <p:txBody>
-          <a:bodyPr/>
-          <a:lstStyle/>
-          <a:p>
-            <a:r>
-              <a:rPr lang="en-US" dirty="0"/>
-              <a:t>PP1: Variable Usage</a:t>
-            </a:r>
-          </a:p>
-        </p:txBody>
-      </p:sp>
       <p:pic>
         <p:nvPicPr>
-          <p:cNvPr id="3" name="Picture 2"/>
+          <p:cNvPr id="11" name="Picture 10">
+            <a:extLst>
+              <a:ext uri="{FF2B5EF4-FFF2-40B4-BE49-F238E27FC236}">
+                <a16:creationId xmlns:a16="http://schemas.microsoft.com/office/drawing/2014/main" id="{8EE7A3B9-E9D7-A24E-A6B3-2915C7B17FA5}"/>
+              </a:ext>
+            </a:extLst>
+          </p:cNvPr>
           <p:cNvPicPr>
             <a:picLocks noChangeAspect="1"/>
           </p:cNvPicPr>
@@ -10532,8 +10611,8 @@
         </p:blipFill>
         <p:spPr>
           <a:xfrm>
-            <a:off x="609600" y="2605641"/>
-            <a:ext cx="5511800" cy="1467427"/>
+            <a:off x="589315" y="1376552"/>
+            <a:ext cx="5061402" cy="5346700"/>
           </a:xfrm>
           <a:prstGeom prst="rect">
             <a:avLst/>
@@ -10547,14 +10626,36 @@
       </p:pic>
       <p:sp>
         <p:nvSpPr>
-          <p:cNvPr id="9" name="TextBox 8"/>
+          <p:cNvPr id="2" name="Title 1"/>
+          <p:cNvSpPr>
+            <a:spLocks noGrp="1"/>
+          </p:cNvSpPr>
+          <p:nvPr>
+            <p:ph type="title"/>
+          </p:nvPr>
+        </p:nvSpPr>
+        <p:spPr/>
+        <p:txBody>
+          <a:bodyPr/>
+          <a:lstStyle/>
+          <a:p>
+            <a:r>
+              <a:rPr lang="en-US" dirty="0"/>
+              <a:t>PP1: Variable Usage</a:t>
+            </a:r>
+          </a:p>
+        </p:txBody>
+      </p:sp>
+      <p:sp>
+        <p:nvSpPr>
+          <p:cNvPr id="7" name="TextBox 6"/>
           <p:cNvSpPr txBox="1"/>
           <p:nvPr/>
         </p:nvSpPr>
         <p:spPr>
           <a:xfrm>
-            <a:off x="609600" y="2148441"/>
-            <a:ext cx="633507" cy="307777"/>
+            <a:off x="5851328" y="2699629"/>
+            <a:ext cx="1949060" cy="307777"/>
           </a:xfrm>
           <a:prstGeom prst="rect">
             <a:avLst/>
@@ -10569,28 +10670,29 @@
           <a:p>
             <a:r>
               <a:rPr lang="en-US" dirty="0"/>
-              <a:t>But</a:t>
-            </a:r>
-            <a:r>
-              <a:rPr lang="mr-IN" dirty="0"/>
-              <a:t>…</a:t>
-            </a:r>
-            <a:endParaRPr lang="en-US" dirty="0"/>
-          </a:p>
-        </p:txBody>
-      </p:sp>
-      <p:sp>
-        <p:nvSpPr>
-          <p:cNvPr id="10" name="Up Arrow 9"/>
+              <a:t>Just Walking the Tree!</a:t>
+            </a:r>
+          </a:p>
+        </p:txBody>
+      </p:sp>
+      <p:sp>
+        <p:nvSpPr>
+          <p:cNvPr id="9" name="Left Arrow 8">
+            <a:extLst>
+              <a:ext uri="{FF2B5EF4-FFF2-40B4-BE49-F238E27FC236}">
+                <a16:creationId xmlns:a16="http://schemas.microsoft.com/office/drawing/2014/main" id="{85D5E97A-3EAF-E54F-947D-E39CC5668B56}"/>
+              </a:ext>
+            </a:extLst>
+          </p:cNvPr>
           <p:cNvSpPr/>
           <p:nvPr/>
         </p:nvSpPr>
         <p:spPr bwMode="auto">
-          <a:xfrm rot="20081653">
-            <a:off x="3371782" y="4017734"/>
-            <a:ext cx="304800" cy="513773"/>
+          <a:xfrm>
+            <a:off x="3505200" y="4597175"/>
+            <a:ext cx="342900" cy="203425"/>
           </a:xfrm>
-          <a:prstGeom prst="upArrow">
+          <a:prstGeom prst="leftArrow">
             <a:avLst/>
           </a:prstGeom>
           <a:solidFill>
@@ -10608,7 +10710,7 @@
           <a:effectLst/>
           <a:extLst>
             <a:ext uri="{AF507438-7753-43e0-B8FC-AC1667EBCBE1}">
-              <a14:hiddenEffects xmlns:a14="http://schemas.microsoft.com/office/drawing/2010/main" xmlns="">
+              <a14:hiddenEffects xmlns="" xmlns:a14="http://schemas.microsoft.com/office/drawing/2010/main">
                 <a:effectLst>
                   <a:outerShdw blurRad="63500" dist="38099" dir="2700000" algn="ctr" rotWithShape="0">
                     <a:schemeClr val="bg2">
@@ -10659,10 +10761,96 @@
           </a:p>
         </p:txBody>
       </p:sp>
+      <p:sp>
+        <p:nvSpPr>
+          <p:cNvPr id="12" name="Left Arrow 11">
+            <a:extLst>
+              <a:ext uri="{FF2B5EF4-FFF2-40B4-BE49-F238E27FC236}">
+                <a16:creationId xmlns:a16="http://schemas.microsoft.com/office/drawing/2014/main" id="{530311A2-A60A-214D-B2A8-2D94A80382B7}"/>
+              </a:ext>
+            </a:extLst>
+          </p:cNvPr>
+          <p:cNvSpPr/>
+          <p:nvPr/>
+        </p:nvSpPr>
+        <p:spPr bwMode="auto">
+          <a:xfrm>
+            <a:off x="3505200" y="4322099"/>
+            <a:ext cx="342900" cy="203425"/>
+          </a:xfrm>
+          <a:prstGeom prst="leftArrow">
+            <a:avLst/>
+          </a:prstGeom>
+          <a:solidFill>
+            <a:srgbClr val="FF0000"/>
+          </a:solidFill>
+          <a:ln w="9525" cap="flat" cmpd="sng" algn="ctr">
+            <a:solidFill>
+              <a:schemeClr val="tx1"/>
+            </a:solidFill>
+            <a:prstDash val="solid"/>
+            <a:round/>
+            <a:headEnd type="none" w="med" len="med"/>
+            <a:tailEnd type="none" w="med" len="med"/>
+          </a:ln>
+          <a:effectLst/>
+          <a:extLst>
+            <a:ext uri="{AF507438-7753-43e0-B8FC-AC1667EBCBE1}">
+              <a14:hiddenEffects xmlns="" xmlns:a14="http://schemas.microsoft.com/office/drawing/2010/main">
+                <a:effectLst>
+                  <a:outerShdw blurRad="63500" dist="38099" dir="2700000" algn="ctr" rotWithShape="0">
+                    <a:schemeClr val="bg2">
+                      <a:alpha val="74998"/>
+                    </a:schemeClr>
+                  </a:outerShdw>
+                </a:effectLst>
+              </a14:hiddenEffects>
+            </a:ext>
+          </a:extLst>
+        </p:spPr>
+        <p:txBody>
+          <a:bodyPr vert="horz" wrap="square" lIns="91440" tIns="45720" rIns="91440" bIns="45720" numCol="1" rtlCol="0" anchor="t" anchorCtr="0" compatLnSpc="1">
+            <a:prstTxWarp prst="textNoShape">
+              <a:avLst/>
+            </a:prstTxWarp>
+          </a:bodyPr>
+          <a:lstStyle/>
+          <a:p>
+            <a:pPr marL="0" marR="0" indent="0" algn="l" defTabSz="914400" rtl="0" eaLnBrk="0" fontAlgn="base" latinLnBrk="0" hangingPunct="0">
+              <a:lnSpc>
+                <a:spcPct val="100000"/>
+              </a:lnSpc>
+              <a:spcBef>
+                <a:spcPct val="0"/>
+              </a:spcBef>
+              <a:spcAft>
+                <a:spcPct val="0"/>
+              </a:spcAft>
+              <a:buClrTx/>
+              <a:buSzTx/>
+              <a:buFontTx/>
+              <a:buNone/>
+              <a:tabLst/>
+            </a:pPr>
+            <a:endParaRPr kumimoji="0" lang="en-US" sz="2100" b="0" i="0" u="none" strike="noStrike" cap="none" normalizeH="0" baseline="0">
+              <a:ln>
+                <a:noFill/>
+              </a:ln>
+              <a:solidFill>
+                <a:srgbClr val="000000"/>
+              </a:solidFill>
+              <a:effectLst/>
+              <a:latin typeface="Arial" charset="0"/>
+              <a:ea typeface="ＭＳ Ｐゴシック" charset="0"/>
+              <a:cs typeface="ＭＳ Ｐゴシック" charset="0"/>
+            </a:endParaRPr>
+          </a:p>
+        </p:txBody>
+      </p:sp>
     </p:spTree>
     <p:extLst>
       <p:ext uri="{BB962C8B-B14F-4D97-AF65-F5344CB8AC3E}">
-        <p14:creationId xmlns:p14="http://schemas.microsoft.com/office/powerpoint/2010/main" val="1319891142"/>
+        <p14:creationId xmlns:p14="http://schemas.microsoft.com/office/powerpoint/2010/main" val="1929869038"/>
       </p:ext>
     </p:extLst>
   </p:cSld>
@@ -10713,56 +10901,42 @@
       </p:sp>
       <p:sp>
         <p:nvSpPr>
-          <p:cNvPr id="4" name="Content Placeholder 3"/>
-          <p:cNvSpPr>
-            <a:spLocks noGrp="1"/>
-          </p:cNvSpPr>
-          <p:nvPr>
-            <p:ph idx="1"/>
-          </p:nvPr>
+          <p:cNvPr id="7" name="TextBox 6"/>
+          <p:cNvSpPr txBox="1"/>
+          <p:nvPr/>
         </p:nvSpPr>
         <p:spPr>
           <a:xfrm>
-            <a:off x="457200" y="1719263"/>
-            <a:ext cx="8229600" cy="1709737"/>
+            <a:off x="5650717" y="2741711"/>
+            <a:ext cx="1949060" cy="307777"/>
           </a:xfrm>
+          <a:prstGeom prst="rect">
+            <a:avLst/>
+          </a:prstGeom>
+          <a:noFill/>
         </p:spPr>
         <p:txBody>
-          <a:bodyPr>
-            <a:normAutofit fontScale="62500" lnSpcReduction="20000"/>
+          <a:bodyPr wrap="none" rtlCol="0">
+            <a:spAutoFit/>
           </a:bodyPr>
           <a:lstStyle/>
           <a:p>
             <a:r>
               <a:rPr lang="en-US" dirty="0"/>
-              <a:t>Recall that when the frontend finds a definition of a variable as an</a:t>
-            </a:r>
-          </a:p>
-          <a:p>
-            <a:pPr lvl="1"/>
-            <a:r>
-              <a:rPr lang="en-US" dirty="0"/>
-              <a:t>assignment statement or a</a:t>
-            </a:r>
-          </a:p>
-          <a:p>
-            <a:pPr lvl="1"/>
-            <a:r>
-              <a:rPr lang="en-US" dirty="0"/>
-              <a:t>get statement </a:t>
-            </a:r>
-          </a:p>
-          <a:p>
-            <a:r>
-              <a:rPr lang="en-US" dirty="0"/>
-              <a:t>it enters the variable into the symbol table and initializes it with None.</a:t>
+              <a:t>Just Walking the Tree!</a:t>
             </a:r>
           </a:p>
         </p:txBody>
       </p:sp>
       <p:pic>
         <p:nvPicPr>
-          <p:cNvPr id="5" name="Picture 4"/>
+          <p:cNvPr id="3" name="Picture 2">
+            <a:extLst>
+              <a:ext uri="{FF2B5EF4-FFF2-40B4-BE49-F238E27FC236}">
+                <a16:creationId xmlns:a16="http://schemas.microsoft.com/office/drawing/2014/main" id="{445EB2DA-2767-6B40-AFED-1DCC35EAFC0C}"/>
+              </a:ext>
+            </a:extLst>
+          </p:cNvPr>
           <p:cNvPicPr>
             <a:picLocks noChangeAspect="1"/>
           </p:cNvPicPr>
@@ -10776,8 +10950,8 @@
         </p:blipFill>
         <p:spPr>
           <a:xfrm>
-            <a:off x="2207789" y="3276600"/>
-            <a:ext cx="3507211" cy="3276600"/>
+            <a:off x="990600" y="1600362"/>
+            <a:ext cx="2978150" cy="1421626"/>
           </a:xfrm>
           <a:prstGeom prst="rect">
             <a:avLst/>
@@ -10791,14 +10965,20 @@
       </p:pic>
       <p:sp>
         <p:nvSpPr>
-          <p:cNvPr id="6" name="Left Arrow 5"/>
+          <p:cNvPr id="9" name="Left Arrow 8">
+            <a:extLst>
+              <a:ext uri="{FF2B5EF4-FFF2-40B4-BE49-F238E27FC236}">
+                <a16:creationId xmlns:a16="http://schemas.microsoft.com/office/drawing/2014/main" id="{85D5E97A-3EAF-E54F-947D-E39CC5668B56}"/>
+              </a:ext>
+            </a:extLst>
+          </p:cNvPr>
           <p:cNvSpPr/>
           <p:nvPr/>
         </p:nvSpPr>
         <p:spPr bwMode="auto">
           <a:xfrm>
-            <a:off x="5486400" y="5334000"/>
-            <a:ext cx="457200" cy="304800"/>
+            <a:off x="3886200" y="2234975"/>
+            <a:ext cx="342900" cy="203425"/>
           </a:xfrm>
           <a:prstGeom prst="leftArrow">
             <a:avLst/>
@@ -10869,16 +11049,127 @@
           </a:p>
         </p:txBody>
       </p:sp>
-      <p:sp>
-        <p:nvSpPr>
-          <p:cNvPr id="11" name="Left Arrow 10"/>
+      <p:pic>
+        <p:nvPicPr>
+          <p:cNvPr id="10" name="Picture 9">
+            <a:extLst>
+              <a:ext uri="{FF2B5EF4-FFF2-40B4-BE49-F238E27FC236}">
+                <a16:creationId xmlns:a16="http://schemas.microsoft.com/office/drawing/2014/main" id="{59986C1B-B067-5441-B63A-FB7B6AA6F0FE}"/>
+              </a:ext>
+            </a:extLst>
+          </p:cNvPr>
+          <p:cNvPicPr>
+            <a:picLocks noChangeAspect="1"/>
+          </p:cNvPicPr>
+          <p:nvPr/>
+        </p:nvPicPr>
+        <p:blipFill>
+          <a:blip r:embed="rId3"/>
+          <a:stretch>
+            <a:fillRect/>
+          </a:stretch>
+        </p:blipFill>
+        <p:spPr>
+          <a:xfrm>
+            <a:off x="2286000" y="2741711"/>
+            <a:ext cx="2691617" cy="1451778"/>
+          </a:xfrm>
+          <a:prstGeom prst="rect">
+            <a:avLst/>
+          </a:prstGeom>
+          <a:ln>
+            <a:solidFill>
+              <a:schemeClr val="tx1"/>
+            </a:solidFill>
+          </a:ln>
+        </p:spPr>
+      </p:pic>
+      <p:pic>
+        <p:nvPicPr>
+          <p:cNvPr id="4" name="Picture 3">
+            <a:extLst>
+              <a:ext uri="{FF2B5EF4-FFF2-40B4-BE49-F238E27FC236}">
+                <a16:creationId xmlns:a16="http://schemas.microsoft.com/office/drawing/2014/main" id="{B2569279-60CE-5747-B9F0-B9AFD318CC38}"/>
+              </a:ext>
+            </a:extLst>
+          </p:cNvPr>
+          <p:cNvPicPr>
+            <a:picLocks noChangeAspect="1"/>
+          </p:cNvPicPr>
+          <p:nvPr/>
+        </p:nvPicPr>
+        <p:blipFill>
+          <a:blip r:embed="rId4"/>
+          <a:stretch>
+            <a:fillRect/>
+          </a:stretch>
+        </p:blipFill>
+        <p:spPr>
+          <a:xfrm>
+            <a:off x="622300" y="4163337"/>
+            <a:ext cx="3327400" cy="1512455"/>
+          </a:xfrm>
+          <a:prstGeom prst="rect">
+            <a:avLst/>
+          </a:prstGeom>
+          <a:ln>
+            <a:solidFill>
+              <a:schemeClr val="tx1"/>
+            </a:solidFill>
+          </a:ln>
+        </p:spPr>
+      </p:pic>
+      <p:pic>
+        <p:nvPicPr>
+          <p:cNvPr id="5" name="Picture 4">
+            <a:extLst>
+              <a:ext uri="{FF2B5EF4-FFF2-40B4-BE49-F238E27FC236}">
+                <a16:creationId xmlns:a16="http://schemas.microsoft.com/office/drawing/2014/main" id="{E04AD797-1AB0-8E48-A259-3C8A93712808}"/>
+              </a:ext>
+            </a:extLst>
+          </p:cNvPr>
+          <p:cNvPicPr>
+            <a:picLocks noChangeAspect="1"/>
+          </p:cNvPicPr>
+          <p:nvPr/>
+        </p:nvPicPr>
+        <p:blipFill>
+          <a:blip r:embed="rId5"/>
+          <a:stretch>
+            <a:fillRect/>
+          </a:stretch>
+        </p:blipFill>
+        <p:spPr>
+          <a:xfrm>
+            <a:off x="5410200" y="3481914"/>
+            <a:ext cx="2978150" cy="1561577"/>
+          </a:xfrm>
+          <a:prstGeom prst="rect">
+            <a:avLst/>
+          </a:prstGeom>
+          <a:ln>
+            <a:solidFill>
+              <a:schemeClr val="tx1"/>
+            </a:solidFill>
+          </a:ln>
+        </p:spPr>
+      </p:pic>
+      <p:sp>
+        <p:nvSpPr>
+          <p:cNvPr id="11" name="Left Arrow 10">
+            <a:extLst>
+              <a:ext uri="{FF2B5EF4-FFF2-40B4-BE49-F238E27FC236}">
+                <a16:creationId xmlns:a16="http://schemas.microsoft.com/office/drawing/2014/main" id="{5D5DE5B8-0579-6F41-AB68-2A49798B2EF5}"/>
+              </a:ext>
+            </a:extLst>
+          </p:cNvPr>
           <p:cNvSpPr/>
           <p:nvPr/>
         </p:nvSpPr>
         <p:spPr bwMode="auto">
           <a:xfrm>
-            <a:off x="5496296" y="5943600"/>
-            <a:ext cx="457200" cy="304800"/>
+            <a:off x="3460358" y="5034294"/>
+            <a:ext cx="342900" cy="203425"/>
           </a:xfrm>
           <a:prstGeom prst="leftArrow">
             <a:avLst/>
@@ -10952,7 +11243,7 @@
     </p:spTree>
     <p:extLst>
       <p:ext uri="{BB962C8B-B14F-4D97-AF65-F5344CB8AC3E}">
-        <p14:creationId xmlns:p14="http://schemas.microsoft.com/office/powerpoint/2010/main" val="264561658"/>
+        <p14:creationId xmlns:p14="http://schemas.microsoft.com/office/powerpoint/2010/main" val="1847807741"/>
       </p:ext>
     </p:extLst>
   </p:cSld>
@@ -11053,7 +11344,7 @@
         </p:blipFill>
         <p:spPr>
           <a:xfrm>
-            <a:off x="304800" y="2514600"/>
+            <a:off x="304800" y="1905000"/>
             <a:ext cx="2536048" cy="2444750"/>
           </a:xfrm>
           <a:prstGeom prst="rect">
@@ -11061,9 +11352,50 @@
           </a:prstGeom>
         </p:spPr>
       </p:pic>
+      <p:sp>
+        <p:nvSpPr>
+          <p:cNvPr id="3" name="TextBox 2">
+            <a:extLst>
+              <a:ext uri="{FF2B5EF4-FFF2-40B4-BE49-F238E27FC236}">
+                <a16:creationId xmlns:a16="http://schemas.microsoft.com/office/drawing/2014/main" id="{1633F8BF-BBE0-D242-9C7A-86D2FFD24FE6}"/>
+              </a:ext>
+            </a:extLst>
+          </p:cNvPr>
+          <p:cNvSpPr txBox="1"/>
+          <p:nvPr/>
+        </p:nvSpPr>
+        <p:spPr>
+          <a:xfrm>
+            <a:off x="3675888" y="2240280"/>
+            <a:ext cx="657552" cy="307777"/>
+          </a:xfrm>
+          <a:prstGeom prst="rect">
+            <a:avLst/>
+          </a:prstGeom>
+          <a:noFill/>
+        </p:spPr>
+        <p:txBody>
+          <a:bodyPr wrap="none" rtlCol="0">
+            <a:spAutoFit/>
+          </a:bodyPr>
+          <a:lstStyle/>
+          <a:p>
+            <a:r>
+              <a:rPr lang="en-US" dirty="0"/>
+              <a:t>3*2+4</a:t>
+            </a:r>
+          </a:p>
+        </p:txBody>
+      </p:sp>
       <p:pic>
         <p:nvPicPr>
-          <p:cNvPr id="6" name="Picture 5"/>
+          <p:cNvPr id="8" name="Picture 7">
+            <a:extLst>
+              <a:ext uri="{FF2B5EF4-FFF2-40B4-BE49-F238E27FC236}">
+                <a16:creationId xmlns:a16="http://schemas.microsoft.com/office/drawing/2014/main" id="{D759C295-BB41-E044-8105-4229D6D67D9E}"/>
+              </a:ext>
+            </a:extLst>
+          </p:cNvPr>
           <p:cNvPicPr>
             <a:picLocks noChangeAspect="1"/>
           </p:cNvPicPr>
@@ -11077,73 +11409,14 @@
         </p:blipFill>
         <p:spPr>
           <a:xfrm>
-            <a:off x="2758059" y="2590800"/>
-            <a:ext cx="5962650" cy="616228"/>
+            <a:off x="1981200" y="3738029"/>
+            <a:ext cx="6407778" cy="2271590"/>
           </a:xfrm>
           <a:prstGeom prst="rect">
             <a:avLst/>
           </a:prstGeom>
         </p:spPr>
       </p:pic>
-      <p:pic>
-        <p:nvPicPr>
-          <p:cNvPr id="7" name="Picture 6"/>
-          <p:cNvPicPr>
-            <a:picLocks noChangeAspect="1"/>
-          </p:cNvPicPr>
-          <p:nvPr/>
-        </p:nvPicPr>
-        <p:blipFill>
-          <a:blip r:embed="rId4"/>
-          <a:stretch>
-            <a:fillRect/>
-          </a:stretch>
-        </p:blipFill>
-        <p:spPr>
-          <a:xfrm>
-            <a:off x="2758059" y="3500604"/>
-            <a:ext cx="5962650" cy="1864403"/>
-          </a:xfrm>
-          <a:prstGeom prst="rect">
-            <a:avLst/>
-          </a:prstGeom>
-        </p:spPr>
-      </p:pic>
-      <p:sp>
-        <p:nvSpPr>
-          <p:cNvPr id="3" name="TextBox 2">
-            <a:extLst>
-              <a:ext uri="{FF2B5EF4-FFF2-40B4-BE49-F238E27FC236}">
-                <a16:creationId xmlns:a16="http://schemas.microsoft.com/office/drawing/2014/main" id="{1633F8BF-BBE0-D242-9C7A-86D2FFD24FE6}"/>
-              </a:ext>
-            </a:extLst>
-          </p:cNvPr>
-          <p:cNvSpPr txBox="1"/>
-          <p:nvPr/>
-        </p:nvSpPr>
-        <p:spPr>
-          <a:xfrm>
-            <a:off x="3675888" y="2240280"/>
-            <a:ext cx="657552" cy="307777"/>
-          </a:xfrm>
-          <a:prstGeom prst="rect">
-            <a:avLst/>
-          </a:prstGeom>
-          <a:noFill/>
-        </p:spPr>
-        <p:txBody>
-          <a:bodyPr wrap="none" rtlCol="0">
-            <a:spAutoFit/>
-          </a:bodyPr>
-          <a:lstStyle/>
-          <a:p>
-            <a:r>
-              <a:rPr lang="en-US" dirty="0"/>
-              <a:t>3*2+4</a:t>
-            </a:r>
-          </a:p>
-        </p:txBody>
-      </p:sp>
     </p:spTree>
     <p:extLst>
       <p:ext uri="{BB962C8B-B14F-4D97-AF65-F5344CB8AC3E}">
@@ -11196,79 +11469,50 @@
           </a:p>
         </p:txBody>
       </p:sp>
-      <p:pic>
-        <p:nvPicPr>
-          <p:cNvPr id="3" name="Picture 2"/>
-          <p:cNvPicPr>
-            <a:picLocks noChangeAspect="1"/>
-          </p:cNvPicPr>
-          <p:nvPr/>
-        </p:nvPicPr>
-        <p:blipFill>
-          <a:blip r:embed="rId2"/>
-          <a:stretch>
-            <a:fillRect/>
-          </a:stretch>
-        </p:blipFill>
-        <p:spPr>
-          <a:xfrm>
-            <a:off x="457200" y="1937141"/>
-            <a:ext cx="4324350" cy="2149531"/>
-          </a:xfrm>
-          <a:prstGeom prst="rect">
-            <a:avLst/>
-          </a:prstGeom>
-        </p:spPr>
-      </p:pic>
-      <p:pic>
-        <p:nvPicPr>
-          <p:cNvPr id="5" name="Picture 4"/>
-          <p:cNvPicPr>
-            <a:picLocks noChangeAspect="1"/>
-          </p:cNvPicPr>
-          <p:nvPr/>
-        </p:nvPicPr>
-        <p:blipFill>
-          <a:blip r:embed="rId3"/>
-          <a:stretch>
-            <a:fillRect/>
-          </a:stretch>
-        </p:blipFill>
-        <p:spPr>
-          <a:xfrm>
-            <a:off x="3962400" y="4087662"/>
-            <a:ext cx="4241800" cy="1892355"/>
-          </a:xfrm>
-          <a:prstGeom prst="rect">
-            <a:avLst/>
-          </a:prstGeom>
-        </p:spPr>
-      </p:pic>
-      <p:sp>
-        <p:nvSpPr>
-          <p:cNvPr id="6" name="TextBox 5"/>
-          <p:cNvSpPr txBox="1"/>
-          <p:nvPr/>
-        </p:nvSpPr>
-        <p:spPr>
-          <a:xfrm>
-            <a:off x="5462649" y="1876301"/>
-            <a:ext cx="1974708" cy="307777"/>
-          </a:xfrm>
-          <a:prstGeom prst="rect">
-            <a:avLst/>
-          </a:prstGeom>
-          <a:noFill/>
-        </p:spPr>
-        <p:txBody>
-          <a:bodyPr wrap="none" rtlCol="0">
-            <a:spAutoFit/>
-          </a:bodyPr>
+      <p:sp>
+        <p:nvSpPr>
+          <p:cNvPr id="3" name="Content Placeholder 2">
+            <a:extLst>
+              <a:ext uri="{FF2B5EF4-FFF2-40B4-BE49-F238E27FC236}">
+                <a16:creationId xmlns:a16="http://schemas.microsoft.com/office/drawing/2014/main" id="{4997318D-5EAA-7746-9F26-353981F3F44F}"/>
+              </a:ext>
+            </a:extLst>
+          </p:cNvPr>
+          <p:cNvSpPr>
+            <a:spLocks noGrp="1"/>
+          </p:cNvSpPr>
+          <p:nvPr>
+            <p:ph idx="1"/>
+          </p:nvPr>
+        </p:nvSpPr>
+        <p:spPr/>
+        <p:txBody>
+          <a:bodyPr/>
           <a:lstStyle/>
           <a:p>
             <a:r>
               <a:rPr lang="en-US" dirty="0"/>
-              <a:t>Testing the tree walker</a:t>
+              <a:t>According to the tree walker of our first phase a variable appearing in the symbol table has one of two states after the tree walker completes:</a:t>
+            </a:r>
+          </a:p>
+          <a:p>
+            <a:pPr lvl="1"/>
+            <a:r>
+              <a:rPr lang="en-US" dirty="0"/>
+              <a:t>‘Defined’ – a variable was defined in the program but never used</a:t>
+            </a:r>
+          </a:p>
+          <a:p>
+            <a:pPr lvl="1"/>
+            <a:r>
+              <a:rPr lang="en-US" dirty="0"/>
+              <a:t>‘Used’ – the value of a variable is being accessed, that is the variable is being used in an expression.</a:t>
+            </a:r>
+          </a:p>
+          <a:p>
+            <a:r>
+              <a:rPr lang="en-US" dirty="0"/>
+              <a:t>We are interested in the first scenario…</a:t>
             </a:r>
           </a:p>
         </p:txBody>
@@ -11276,7 +11520,7 @@
     </p:spTree>
     <p:extLst>
       <p:ext uri="{BB962C8B-B14F-4D97-AF65-F5344CB8AC3E}">
-        <p14:creationId xmlns:p14="http://schemas.microsoft.com/office/powerpoint/2010/main" val="474374016"/>
+        <p14:creationId xmlns:p14="http://schemas.microsoft.com/office/powerpoint/2010/main" val="264561658"/>
       </p:ext>
     </p:extLst>
   </p:cSld>
@@ -11320,43 +11564,49 @@
           <a:p>
             <a:r>
               <a:rPr lang="en-US" dirty="0"/>
-              <a:t>PP2: Pretty Print Tree Walker</a:t>
-            </a:r>
-          </a:p>
-        </p:txBody>
-      </p:sp>
-      <p:sp>
-        <p:nvSpPr>
-          <p:cNvPr id="3" name="Content Placeholder 2"/>
-          <p:cNvSpPr>
-            <a:spLocks noGrp="1"/>
-          </p:cNvSpPr>
-          <p:nvPr>
-            <p:ph idx="1"/>
-          </p:nvPr>
+              <a:t>PP1: Variable Usage</a:t>
+            </a:r>
+          </a:p>
+        </p:txBody>
+      </p:sp>
+      <p:sp>
+        <p:nvSpPr>
+          <p:cNvPr id="6" name="TextBox 5"/>
+          <p:cNvSpPr txBox="1"/>
+          <p:nvPr/>
         </p:nvSpPr>
         <p:spPr>
           <a:xfrm>
-            <a:off x="457200" y="1719263"/>
-            <a:ext cx="8229600" cy="1100137"/>
+            <a:off x="5462649" y="1876301"/>
+            <a:ext cx="1974708" cy="307777"/>
           </a:xfrm>
+          <a:prstGeom prst="rect">
+            <a:avLst/>
+          </a:prstGeom>
+          <a:noFill/>
         </p:spPr>
         <p:txBody>
-          <a:bodyPr>
-            <a:normAutofit fontScale="85000" lnSpcReduction="20000"/>
+          <a:bodyPr wrap="none" rtlCol="0">
+            <a:spAutoFit/>
           </a:bodyPr>
           <a:lstStyle/>
           <a:p>
             <a:r>
               <a:rPr lang="en-US" dirty="0"/>
-              <a:t>The tree walker for the second pass walks the AST and compiles a formatted string that represents the pretty printed program. </a:t>
+              <a:t>Testing the tree walker</a:t>
             </a:r>
           </a:p>
         </p:txBody>
       </p:sp>
       <p:pic>
         <p:nvPicPr>
-          <p:cNvPr id="4" name="Picture 3"/>
+          <p:cNvPr id="4" name="Picture 3">
+            <a:extLst>
+              <a:ext uri="{FF2B5EF4-FFF2-40B4-BE49-F238E27FC236}">
+                <a16:creationId xmlns:a16="http://schemas.microsoft.com/office/drawing/2014/main" id="{42980EED-598E-DA40-8605-324E8D279A31}"/>
+              </a:ext>
+            </a:extLst>
+          </p:cNvPr>
           <p:cNvPicPr>
             <a:picLocks noChangeAspect="1"/>
           </p:cNvPicPr>
@@ -11370,8 +11620,8 @@
         </p:blipFill>
         <p:spPr>
           <a:xfrm>
-            <a:off x="838200" y="3200400"/>
-            <a:ext cx="2667000" cy="1729383"/>
+            <a:off x="457200" y="1417638"/>
+            <a:ext cx="3320815" cy="3048000"/>
           </a:xfrm>
           <a:prstGeom prst="rect">
             <a:avLst/>
@@ -11385,47 +11635,185 @@
       </p:pic>
       <p:sp>
         <p:nvSpPr>
-          <p:cNvPr id="5" name="TextBox 4"/>
-          <p:cNvSpPr txBox="1"/>
+          <p:cNvPr id="7" name="Left Arrow 6">
+            <a:extLst>
+              <a:ext uri="{FF2B5EF4-FFF2-40B4-BE49-F238E27FC236}">
+                <a16:creationId xmlns:a16="http://schemas.microsoft.com/office/drawing/2014/main" id="{8EE3EA21-86A8-644D-8F8D-24D468451646}"/>
+              </a:ext>
+            </a:extLst>
+          </p:cNvPr>
+          <p:cNvSpPr/>
           <p:nvPr/>
         </p:nvSpPr>
-        <p:spPr>
+        <p:spPr bwMode="auto">
           <a:xfrm>
-            <a:off x="4648200" y="3555726"/>
-            <a:ext cx="3267241" cy="523220"/>
+            <a:off x="1946157" y="4038600"/>
+            <a:ext cx="342900" cy="203425"/>
           </a:xfrm>
-          <a:prstGeom prst="rect">
+          <a:prstGeom prst="leftArrow">
             <a:avLst/>
           </a:prstGeom>
-          <a:noFill/>
+          <a:solidFill>
+            <a:srgbClr val="FF0000"/>
+          </a:solidFill>
+          <a:ln w="9525" cap="flat" cmpd="sng" algn="ctr">
+            <a:solidFill>
+              <a:schemeClr val="tx1"/>
+            </a:solidFill>
+            <a:prstDash val="solid"/>
+            <a:round/>
+            <a:headEnd type="none" w="med" len="med"/>
+            <a:tailEnd type="none" w="med" len="med"/>
+          </a:ln>
+          <a:effectLst/>
+          <a:extLst>
+            <a:ext uri="{AF507438-7753-43e0-B8FC-AC1667EBCBE1}">
+              <a14:hiddenEffects xmlns:a14="http://schemas.microsoft.com/office/drawing/2010/main" xmlns="">
+                <a:effectLst>
+                  <a:outerShdw blurRad="63500" dist="38099" dir="2700000" algn="ctr" rotWithShape="0">
+                    <a:schemeClr val="bg2">
+                      <a:alpha val="74998"/>
+                    </a:schemeClr>
+                  </a:outerShdw>
+                </a:effectLst>
+              </a14:hiddenEffects>
+            </a:ext>
+          </a:extLst>
         </p:spPr>
         <p:txBody>
-          <a:bodyPr wrap="none" rtlCol="0">
-            <a:spAutoFit/>
+          <a:bodyPr vert="horz" wrap="square" lIns="91440" tIns="45720" rIns="91440" bIns="45720" numCol="1" rtlCol="0" anchor="t" anchorCtr="0" compatLnSpc="1">
+            <a:prstTxWarp prst="textNoShape">
+              <a:avLst/>
+            </a:prstTxWarp>
           </a:bodyPr>
           <a:lstStyle/>
           <a:p>
-            <a:r>
-              <a:rPr lang="en-US" dirty="0"/>
-              <a:t>Recall that programs are nil terminated</a:t>
-            </a:r>
-            <a:br>
-              <a:rPr lang="en-US" dirty="0"/>
-            </a:br>
-            <a:r>
-              <a:rPr lang="en-US" dirty="0" err="1"/>
-              <a:t>Seq</a:t>
-            </a:r>
-            <a:r>
-              <a:rPr lang="en-US" dirty="0"/>
-              <a:t> lists of statements:</a:t>
-            </a:r>
+            <a:pPr marL="0" marR="0" indent="0" algn="l" defTabSz="914400" rtl="0" eaLnBrk="0" fontAlgn="base" latinLnBrk="0" hangingPunct="0">
+              <a:lnSpc>
+                <a:spcPct val="100000"/>
+              </a:lnSpc>
+              <a:spcBef>
+                <a:spcPct val="0"/>
+              </a:spcBef>
+              <a:spcAft>
+                <a:spcPct val="0"/>
+              </a:spcAft>
+              <a:buClrTx/>
+              <a:buSzTx/>
+              <a:buFontTx/>
+              <a:buNone/>
+              <a:tabLst/>
+            </a:pPr>
+            <a:endParaRPr kumimoji="0" lang="en-US" sz="2100" b="0" i="0" u="none" strike="noStrike" cap="none" normalizeH="0" baseline="0">
+              <a:ln>
+                <a:noFill/>
+              </a:ln>
+              <a:solidFill>
+                <a:srgbClr val="000000"/>
+              </a:solidFill>
+              <a:effectLst/>
+              <a:latin typeface="Arial" charset="0"/>
+              <a:ea typeface="ＭＳ Ｐゴシック" charset="0"/>
+              <a:cs typeface="ＭＳ Ｐゴシック" charset="0"/>
+            </a:endParaRPr>
+          </a:p>
+        </p:txBody>
+      </p:sp>
+      <p:sp>
+        <p:nvSpPr>
+          <p:cNvPr id="8" name="Left Arrow 7">
+            <a:extLst>
+              <a:ext uri="{FF2B5EF4-FFF2-40B4-BE49-F238E27FC236}">
+                <a16:creationId xmlns:a16="http://schemas.microsoft.com/office/drawing/2014/main" id="{7561F95F-1DC9-F746-A9CD-F2E33812CBB7}"/>
+              </a:ext>
+            </a:extLst>
+          </p:cNvPr>
+          <p:cNvSpPr/>
+          <p:nvPr/>
+        </p:nvSpPr>
+        <p:spPr bwMode="auto">
+          <a:xfrm>
+            <a:off x="2667000" y="3048000"/>
+            <a:ext cx="342900" cy="203425"/>
+          </a:xfrm>
+          <a:prstGeom prst="leftArrow">
+            <a:avLst/>
+          </a:prstGeom>
+          <a:solidFill>
+            <a:srgbClr val="FF0000"/>
+          </a:solidFill>
+          <a:ln w="9525" cap="flat" cmpd="sng" algn="ctr">
+            <a:solidFill>
+              <a:schemeClr val="tx1"/>
+            </a:solidFill>
+            <a:prstDash val="solid"/>
+            <a:round/>
+            <a:headEnd type="none" w="med" len="med"/>
+            <a:tailEnd type="none" w="med" len="med"/>
+          </a:ln>
+          <a:effectLst/>
+          <a:extLst>
+            <a:ext uri="{AF507438-7753-43e0-B8FC-AC1667EBCBE1}">
+              <a14:hiddenEffects xmlns:a14="http://schemas.microsoft.com/office/drawing/2010/main" xmlns="">
+                <a:effectLst>
+                  <a:outerShdw blurRad="63500" dist="38099" dir="2700000" algn="ctr" rotWithShape="0">
+                    <a:schemeClr val="bg2">
+                      <a:alpha val="74998"/>
+                    </a:schemeClr>
+                  </a:outerShdw>
+                </a:effectLst>
+              </a14:hiddenEffects>
+            </a:ext>
+          </a:extLst>
+        </p:spPr>
+        <p:txBody>
+          <a:bodyPr vert="horz" wrap="square" lIns="91440" tIns="45720" rIns="91440" bIns="45720" numCol="1" rtlCol="0" anchor="t" anchorCtr="0" compatLnSpc="1">
+            <a:prstTxWarp prst="textNoShape">
+              <a:avLst/>
+            </a:prstTxWarp>
+          </a:bodyPr>
+          <a:lstStyle/>
+          <a:p>
+            <a:pPr marL="0" marR="0" indent="0" algn="l" defTabSz="914400" rtl="0" eaLnBrk="0" fontAlgn="base" latinLnBrk="0" hangingPunct="0">
+              <a:lnSpc>
+                <a:spcPct val="100000"/>
+              </a:lnSpc>
+              <a:spcBef>
+                <a:spcPct val="0"/>
+              </a:spcBef>
+              <a:spcAft>
+                <a:spcPct val="0"/>
+              </a:spcAft>
+              <a:buClrTx/>
+              <a:buSzTx/>
+              <a:buFontTx/>
+              <a:buNone/>
+              <a:tabLst/>
+            </a:pPr>
+            <a:endParaRPr kumimoji="0" lang="en-US" sz="2100" b="0" i="0" u="none" strike="noStrike" cap="none" normalizeH="0" baseline="0">
+              <a:ln>
+                <a:noFill/>
+              </a:ln>
+              <a:solidFill>
+                <a:srgbClr val="000000"/>
+              </a:solidFill>
+              <a:effectLst/>
+              <a:latin typeface="Arial" charset="0"/>
+              <a:ea typeface="ＭＳ Ｐゴシック" charset="0"/>
+              <a:cs typeface="ＭＳ Ｐゴシック" charset="0"/>
+            </a:endParaRPr>
           </a:p>
         </p:txBody>
       </p:sp>
       <p:pic>
         <p:nvPicPr>
-          <p:cNvPr id="6" name="Picture 5"/>
+          <p:cNvPr id="9" name="Picture 8">
+            <a:extLst>
+              <a:ext uri="{FF2B5EF4-FFF2-40B4-BE49-F238E27FC236}">
+                <a16:creationId xmlns:a16="http://schemas.microsoft.com/office/drawing/2014/main" id="{4DF6CAA2-FE4D-F443-865C-9774E14354AD}"/>
+              </a:ext>
+            </a:extLst>
+          </p:cNvPr>
           <p:cNvPicPr>
             <a:picLocks noChangeAspect="1"/>
           </p:cNvPicPr>
@@ -11439,14 +11827,307 @@
         </p:blipFill>
         <p:spPr>
           <a:xfrm>
-            <a:off x="4812113" y="4267200"/>
-            <a:ext cx="2184400" cy="1485900"/>
+            <a:off x="3379239" y="2941638"/>
+            <a:ext cx="3680921" cy="3378522"/>
           </a:xfrm>
           <a:prstGeom prst="rect">
             <a:avLst/>
           </a:prstGeom>
+          <a:ln>
+            <a:solidFill>
+              <a:schemeClr val="tx1"/>
+            </a:solidFill>
+          </a:ln>
         </p:spPr>
       </p:pic>
+      <p:sp>
+        <p:nvSpPr>
+          <p:cNvPr id="10" name="Left Arrow 9">
+            <a:extLst>
+              <a:ext uri="{FF2B5EF4-FFF2-40B4-BE49-F238E27FC236}">
+                <a16:creationId xmlns:a16="http://schemas.microsoft.com/office/drawing/2014/main" id="{BC61CB43-DB93-5B49-8406-8E8806AA7EBF}"/>
+              </a:ext>
+            </a:extLst>
+          </p:cNvPr>
+          <p:cNvSpPr/>
+          <p:nvPr/>
+        </p:nvSpPr>
+        <p:spPr bwMode="auto">
+          <a:xfrm>
+            <a:off x="6553200" y="4724400"/>
+            <a:ext cx="342900" cy="203425"/>
+          </a:xfrm>
+          <a:prstGeom prst="leftArrow">
+            <a:avLst/>
+          </a:prstGeom>
+          <a:solidFill>
+            <a:srgbClr val="FF0000"/>
+          </a:solidFill>
+          <a:ln w="9525" cap="flat" cmpd="sng" algn="ctr">
+            <a:solidFill>
+              <a:schemeClr val="tx1"/>
+            </a:solidFill>
+            <a:prstDash val="solid"/>
+            <a:round/>
+            <a:headEnd type="none" w="med" len="med"/>
+            <a:tailEnd type="none" w="med" len="med"/>
+          </a:ln>
+          <a:effectLst/>
+          <a:extLst>
+            <a:ext uri="{AF507438-7753-43e0-B8FC-AC1667EBCBE1}">
+              <a14:hiddenEffects xmlns:a14="http://schemas.microsoft.com/office/drawing/2010/main" xmlns="">
+                <a:effectLst>
+                  <a:outerShdw blurRad="63500" dist="38099" dir="2700000" algn="ctr" rotWithShape="0">
+                    <a:schemeClr val="bg2">
+                      <a:alpha val="74998"/>
+                    </a:schemeClr>
+                  </a:outerShdw>
+                </a:effectLst>
+              </a14:hiddenEffects>
+            </a:ext>
+          </a:extLst>
+        </p:spPr>
+        <p:txBody>
+          <a:bodyPr vert="horz" wrap="square" lIns="91440" tIns="45720" rIns="91440" bIns="45720" numCol="1" rtlCol="0" anchor="t" anchorCtr="0" compatLnSpc="1">
+            <a:prstTxWarp prst="textNoShape">
+              <a:avLst/>
+            </a:prstTxWarp>
+          </a:bodyPr>
+          <a:lstStyle/>
+          <a:p>
+            <a:pPr marL="0" marR="0" indent="0" algn="l" defTabSz="914400" rtl="0" eaLnBrk="0" fontAlgn="base" latinLnBrk="0" hangingPunct="0">
+              <a:lnSpc>
+                <a:spcPct val="100000"/>
+              </a:lnSpc>
+              <a:spcBef>
+                <a:spcPct val="0"/>
+              </a:spcBef>
+              <a:spcAft>
+                <a:spcPct val="0"/>
+              </a:spcAft>
+              <a:buClrTx/>
+              <a:buSzTx/>
+              <a:buFontTx/>
+              <a:buNone/>
+              <a:tabLst/>
+            </a:pPr>
+            <a:endParaRPr kumimoji="0" lang="en-US" sz="2100" b="0" i="0" u="none" strike="noStrike" cap="none" normalizeH="0" baseline="0">
+              <a:ln>
+                <a:noFill/>
+              </a:ln>
+              <a:solidFill>
+                <a:srgbClr val="000000"/>
+              </a:solidFill>
+              <a:effectLst/>
+              <a:latin typeface="Arial" charset="0"/>
+              <a:ea typeface="ＭＳ Ｐゴシック" charset="0"/>
+              <a:cs typeface="ＭＳ Ｐゴシック" charset="0"/>
+            </a:endParaRPr>
+          </a:p>
+        </p:txBody>
+      </p:sp>
+      <p:sp>
+        <p:nvSpPr>
+          <p:cNvPr id="11" name="Left Arrow 10">
+            <a:extLst>
+              <a:ext uri="{FF2B5EF4-FFF2-40B4-BE49-F238E27FC236}">
+                <a16:creationId xmlns:a16="http://schemas.microsoft.com/office/drawing/2014/main" id="{79635051-543E-6D4E-B493-1D1A06D849A3}"/>
+              </a:ext>
+            </a:extLst>
+          </p:cNvPr>
+          <p:cNvSpPr/>
+          <p:nvPr/>
+        </p:nvSpPr>
+        <p:spPr bwMode="auto">
+          <a:xfrm>
+            <a:off x="4572000" y="5867400"/>
+            <a:ext cx="342900" cy="203425"/>
+          </a:xfrm>
+          <a:prstGeom prst="leftArrow">
+            <a:avLst/>
+          </a:prstGeom>
+          <a:solidFill>
+            <a:srgbClr val="FF0000"/>
+          </a:solidFill>
+          <a:ln w="9525" cap="flat" cmpd="sng" algn="ctr">
+            <a:solidFill>
+              <a:schemeClr val="tx1"/>
+            </a:solidFill>
+            <a:prstDash val="solid"/>
+            <a:round/>
+            <a:headEnd type="none" w="med" len="med"/>
+            <a:tailEnd type="none" w="med" len="med"/>
+          </a:ln>
+          <a:effectLst/>
+          <a:extLst>
+            <a:ext uri="{AF507438-7753-43e0-B8FC-AC1667EBCBE1}">
+              <a14:hiddenEffects xmlns:a14="http://schemas.microsoft.com/office/drawing/2010/main" xmlns="">
+                <a:effectLst>
+                  <a:outerShdw blurRad="63500" dist="38099" dir="2700000" algn="ctr" rotWithShape="0">
+                    <a:schemeClr val="bg2">
+                      <a:alpha val="74998"/>
+                    </a:schemeClr>
+                  </a:outerShdw>
+                </a:effectLst>
+              </a14:hiddenEffects>
+            </a:ext>
+          </a:extLst>
+        </p:spPr>
+        <p:txBody>
+          <a:bodyPr vert="horz" wrap="square" lIns="91440" tIns="45720" rIns="91440" bIns="45720" numCol="1" rtlCol="0" anchor="t" anchorCtr="0" compatLnSpc="1">
+            <a:prstTxWarp prst="textNoShape">
+              <a:avLst/>
+            </a:prstTxWarp>
+          </a:bodyPr>
+          <a:lstStyle/>
+          <a:p>
+            <a:pPr marL="0" marR="0" indent="0" algn="l" defTabSz="914400" rtl="0" eaLnBrk="0" fontAlgn="base" latinLnBrk="0" hangingPunct="0">
+              <a:lnSpc>
+                <a:spcPct val="100000"/>
+              </a:lnSpc>
+              <a:spcBef>
+                <a:spcPct val="0"/>
+              </a:spcBef>
+              <a:spcAft>
+                <a:spcPct val="0"/>
+              </a:spcAft>
+              <a:buClrTx/>
+              <a:buSzTx/>
+              <a:buFontTx/>
+              <a:buNone/>
+              <a:tabLst/>
+            </a:pPr>
+            <a:endParaRPr kumimoji="0" lang="en-US" sz="2100" b="0" i="0" u="none" strike="noStrike" cap="none" normalizeH="0" baseline="0">
+              <a:ln>
+                <a:noFill/>
+              </a:ln>
+              <a:solidFill>
+                <a:srgbClr val="000000"/>
+              </a:solidFill>
+              <a:effectLst/>
+              <a:latin typeface="Arial" charset="0"/>
+              <a:ea typeface="ＭＳ Ｐゴシック" charset="0"/>
+              <a:cs typeface="ＭＳ Ｐゴシック" charset="0"/>
+            </a:endParaRPr>
+          </a:p>
+        </p:txBody>
+      </p:sp>
+    </p:spTree>
+    <p:extLst>
+      <p:ext uri="{BB962C8B-B14F-4D97-AF65-F5344CB8AC3E}">
+        <p14:creationId xmlns:p14="http://schemas.microsoft.com/office/powerpoint/2010/main" val="474374016"/>
+      </p:ext>
+    </p:extLst>
+  </p:cSld>
+  <p:clrMapOvr>
+    <a:masterClrMapping/>
+  </p:clrMapOvr>
+</p:sld>
+</file>
+
+<file path=ppt/slides/slide22.xml><?xml version="1.0" encoding="utf-8"?>
+<p:sld xmlns:a="http://schemas.openxmlformats.org/drawingml/2006/main" xmlns:r="http://schemas.openxmlformats.org/officeDocument/2006/relationships" xmlns:p="http://schemas.openxmlformats.org/presentationml/2006/main">
+  <p:cSld>
+    <p:spTree>
+      <p:nvGrpSpPr>
+        <p:cNvPr id="1" name=""/>
+        <p:cNvGrpSpPr/>
+        <p:nvPr/>
+      </p:nvGrpSpPr>
+      <p:grpSpPr>
+        <a:xfrm>
+          <a:off x="0" y="0"/>
+          <a:ext cx="0" cy="0"/>
+          <a:chOff x="0" y="0"/>
+          <a:chExt cx="0" cy="0"/>
+        </a:xfrm>
+      </p:grpSpPr>
+      <p:pic>
+        <p:nvPicPr>
+          <p:cNvPr id="9" name="Picture 8">
+            <a:extLst>
+              <a:ext uri="{FF2B5EF4-FFF2-40B4-BE49-F238E27FC236}">
+                <a16:creationId xmlns:a16="http://schemas.microsoft.com/office/drawing/2014/main" id="{3A8CEB80-3208-B148-853B-AA732FB294E3}"/>
+              </a:ext>
+            </a:extLst>
+          </p:cNvPr>
+          <p:cNvPicPr>
+            <a:picLocks noChangeAspect="1"/>
+          </p:cNvPicPr>
+          <p:nvPr/>
+        </p:nvPicPr>
+        <p:blipFill>
+          <a:blip r:embed="rId2"/>
+          <a:stretch>
+            <a:fillRect/>
+          </a:stretch>
+        </p:blipFill>
+        <p:spPr>
+          <a:xfrm>
+            <a:off x="1593585" y="3365500"/>
+            <a:ext cx="2590800" cy="1739900"/>
+          </a:xfrm>
+          <a:prstGeom prst="rect">
+            <a:avLst/>
+          </a:prstGeom>
+          <a:ln>
+            <a:solidFill>
+              <a:schemeClr val="tx1"/>
+            </a:solidFill>
+          </a:ln>
+        </p:spPr>
+      </p:pic>
+      <p:sp>
+        <p:nvSpPr>
+          <p:cNvPr id="2" name="Title 1"/>
+          <p:cNvSpPr>
+            <a:spLocks noGrp="1"/>
+          </p:cNvSpPr>
+          <p:nvPr>
+            <p:ph type="title"/>
+          </p:nvPr>
+        </p:nvSpPr>
+        <p:spPr/>
+        <p:txBody>
+          <a:bodyPr/>
+          <a:lstStyle/>
+          <a:p>
+            <a:r>
+              <a:rPr lang="en-US" dirty="0"/>
+              <a:t>PP2: Pretty Print Tree Walker</a:t>
+            </a:r>
+          </a:p>
+        </p:txBody>
+      </p:sp>
+      <p:sp>
+        <p:nvSpPr>
+          <p:cNvPr id="3" name="Content Placeholder 2"/>
+          <p:cNvSpPr>
+            <a:spLocks noGrp="1"/>
+          </p:cNvSpPr>
+          <p:nvPr>
+            <p:ph idx="1"/>
+          </p:nvPr>
+        </p:nvSpPr>
+        <p:spPr>
+          <a:xfrm>
+            <a:off x="457200" y="1719263"/>
+            <a:ext cx="8229600" cy="1100137"/>
+          </a:xfrm>
+        </p:spPr>
+        <p:txBody>
+          <a:bodyPr>
+            <a:normAutofit fontScale="85000" lnSpcReduction="20000"/>
+          </a:bodyPr>
+          <a:lstStyle/>
+          <a:p>
+            <a:r>
+              <a:rPr lang="en-US" dirty="0"/>
+              <a:t>The tree walker for the second pass walks the AST and compiles a formatted string that represents the pretty printed program. </a:t>
+            </a:r>
+          </a:p>
+        </p:txBody>
+      </p:sp>
       <p:sp>
         <p:nvSpPr>
           <p:cNvPr id="7" name="Up Arrow 6"/>
@@ -11454,8 +12135,8 @@
           <p:nvPr/>
         </p:nvSpPr>
         <p:spPr bwMode="auto">
-          <a:xfrm>
-            <a:off x="2170216" y="4853583"/>
+          <a:xfrm rot="16200000">
+            <a:off x="4070085" y="4501760"/>
             <a:ext cx="228600" cy="457200"/>
           </a:xfrm>
           <a:prstGeom prst="upArrow">
@@ -11535,8 +12216,8 @@
         </p:nvSpPr>
         <p:spPr>
           <a:xfrm>
-            <a:off x="1189399" y="5450774"/>
-            <a:ext cx="2392001" cy="738664"/>
+            <a:off x="4717785" y="4343400"/>
+            <a:ext cx="2292615" cy="738664"/>
           </a:xfrm>
           <a:prstGeom prst="rect">
             <a:avLst/>
@@ -11557,7 +12238,7 @@
           <a:p>
             <a:r>
               <a:rPr lang="en-US" dirty="0"/>
-              <a:t>for </a:t>
+              <a:t>for each </a:t>
             </a:r>
             <a:r>
               <a:rPr lang="en-US" dirty="0" err="1"/>
@@ -11565,22 +12246,13 @@
             </a:r>
             <a:r>
               <a:rPr lang="en-US" dirty="0"/>
-              <a:t> with the string from </a:t>
-            </a:r>
-            <a:br>
+              <a:t> into one long</a:t>
+            </a:r>
+          </a:p>
+          <a:p>
+            <a:r>
               <a:rPr lang="en-US" dirty="0"/>
-            </a:br>
-            <a:r>
-              <a:rPr lang="en-US" dirty="0"/>
-              <a:t>the rest of the </a:t>
-            </a:r>
-            <a:r>
-              <a:rPr lang="en-US" dirty="0" err="1"/>
-              <a:t>Seq</a:t>
-            </a:r>
-            <a:r>
-              <a:rPr lang="en-US" dirty="0"/>
-              <a:t> list.</a:t>
+              <a:t>string.</a:t>
             </a:r>
           </a:p>
         </p:txBody>
@@ -11589,182 +12261,6 @@
     <p:extLst>
       <p:ext uri="{BB962C8B-B14F-4D97-AF65-F5344CB8AC3E}">
         <p14:creationId xmlns:p14="http://schemas.microsoft.com/office/powerpoint/2010/main" val="269085858"/>
-      </p:ext>
-    </p:extLst>
-  </p:cSld>
-  <p:clrMapOvr>
-    <a:masterClrMapping/>
-  </p:clrMapOvr>
-</p:sld>
-</file>
-
-<file path=ppt/slides/slide22.xml><?xml version="1.0" encoding="utf-8"?>
-<p:sld xmlns:a="http://schemas.openxmlformats.org/drawingml/2006/main" xmlns:r="http://schemas.openxmlformats.org/officeDocument/2006/relationships" xmlns:p="http://schemas.openxmlformats.org/presentationml/2006/main">
-  <p:cSld>
-    <p:spTree>
-      <p:nvGrpSpPr>
-        <p:cNvPr id="1" name=""/>
-        <p:cNvGrpSpPr/>
-        <p:nvPr/>
-      </p:nvGrpSpPr>
-      <p:grpSpPr>
-        <a:xfrm>
-          <a:off x="0" y="0"/>
-          <a:ext cx="0" cy="0"/>
-          <a:chOff x="0" y="0"/>
-          <a:chExt cx="0" cy="0"/>
-        </a:xfrm>
-      </p:grpSpPr>
-      <p:sp>
-        <p:nvSpPr>
-          <p:cNvPr id="2" name="Title 1"/>
-          <p:cNvSpPr>
-            <a:spLocks noGrp="1"/>
-          </p:cNvSpPr>
-          <p:nvPr>
-            <p:ph type="title"/>
-          </p:nvPr>
-        </p:nvSpPr>
-        <p:spPr/>
-        <p:txBody>
-          <a:bodyPr/>
-          <a:lstStyle/>
-          <a:p>
-            <a:r>
-              <a:rPr lang="en-US" dirty="0"/>
-              <a:t>PP2: Pretty Print Tree Walker</a:t>
-            </a:r>
-          </a:p>
-        </p:txBody>
-      </p:sp>
-      <p:pic>
-        <p:nvPicPr>
-          <p:cNvPr id="10" name="Picture 9"/>
-          <p:cNvPicPr>
-            <a:picLocks noChangeAspect="1"/>
-          </p:cNvPicPr>
-          <p:nvPr/>
-        </p:nvPicPr>
-        <p:blipFill>
-          <a:blip r:embed="rId2"/>
-          <a:stretch>
-            <a:fillRect/>
-          </a:stretch>
-        </p:blipFill>
-        <p:spPr>
-          <a:xfrm>
-            <a:off x="596900" y="1600200"/>
-            <a:ext cx="3632200" cy="1884776"/>
-          </a:xfrm>
-          <a:prstGeom prst="rect">
-            <a:avLst/>
-          </a:prstGeom>
-          <a:ln>
-            <a:solidFill>
-              <a:schemeClr val="tx1"/>
-            </a:solidFill>
-          </a:ln>
-        </p:spPr>
-      </p:pic>
-      <p:pic>
-        <p:nvPicPr>
-          <p:cNvPr id="11" name="Picture 10"/>
-          <p:cNvPicPr>
-            <a:picLocks noChangeAspect="1"/>
-          </p:cNvPicPr>
-          <p:nvPr/>
-        </p:nvPicPr>
-        <p:blipFill>
-          <a:blip r:embed="rId3"/>
-          <a:stretch>
-            <a:fillRect/>
-          </a:stretch>
-        </p:blipFill>
-        <p:spPr>
-          <a:xfrm>
-            <a:off x="605806" y="4038600"/>
-            <a:ext cx="4216400" cy="2053945"/>
-          </a:xfrm>
-          <a:prstGeom prst="rect">
-            <a:avLst/>
-          </a:prstGeom>
-          <a:ln>
-            <a:solidFill>
-              <a:schemeClr val="tx1"/>
-            </a:solidFill>
-          </a:ln>
-        </p:spPr>
-      </p:pic>
-      <p:pic>
-        <p:nvPicPr>
-          <p:cNvPr id="12" name="Picture 11"/>
-          <p:cNvPicPr>
-            <a:picLocks noChangeAspect="1"/>
-          </p:cNvPicPr>
-          <p:nvPr/>
-        </p:nvPicPr>
-        <p:blipFill>
-          <a:blip r:embed="rId4"/>
-          <a:stretch>
-            <a:fillRect/>
-          </a:stretch>
-        </p:blipFill>
-        <p:spPr>
-          <a:xfrm>
-            <a:off x="4419600" y="2948077"/>
-            <a:ext cx="3937000" cy="1627423"/>
-          </a:xfrm>
-          <a:prstGeom prst="rect">
-            <a:avLst/>
-          </a:prstGeom>
-          <a:ln>
-            <a:solidFill>
-              <a:schemeClr val="tx1"/>
-            </a:solidFill>
-          </a:ln>
-        </p:spPr>
-      </p:pic>
-      <p:sp>
-        <p:nvSpPr>
-          <p:cNvPr id="13" name="TextBox 12"/>
-          <p:cNvSpPr txBox="1"/>
-          <p:nvPr/>
-        </p:nvSpPr>
-        <p:spPr>
-          <a:xfrm>
-            <a:off x="855023" y="6424551"/>
-            <a:ext cx="6776214" cy="307777"/>
-          </a:xfrm>
-          <a:prstGeom prst="rect">
-            <a:avLst/>
-          </a:prstGeom>
-          <a:noFill/>
-        </p:spPr>
-        <p:txBody>
-          <a:bodyPr wrap="none" rtlCol="0">
-            <a:spAutoFit/>
-          </a:bodyPr>
-          <a:lstStyle/>
-          <a:p>
-            <a:r>
-              <a:rPr lang="en-US" dirty="0"/>
-              <a:t>Indent() and </a:t>
-            </a:r>
-            <a:r>
-              <a:rPr lang="en-US" dirty="0" err="1"/>
-              <a:t>indent_level</a:t>
-            </a:r>
-            <a:r>
-              <a:rPr lang="en-US" dirty="0"/>
-              <a:t> keep track of the code indentation for formatting purposes.</a:t>
-            </a:r>
-          </a:p>
-        </p:txBody>
-      </p:sp>
-    </p:spTree>
-    <p:extLst>
-      <p:ext uri="{BB962C8B-B14F-4D97-AF65-F5344CB8AC3E}">
-        <p14:creationId xmlns:p14="http://schemas.microsoft.com/office/powerpoint/2010/main" val="1000493745"/>
       </p:ext>
     </p:extLst>
   </p:cSld>
@@ -11808,14 +12304,57 @@
           <a:p>
             <a:r>
               <a:rPr lang="en-US" dirty="0"/>
-              <a:t>Top Level Function of PP</a:t>
+              <a:t>PP2: Pretty Print Tree Walker</a:t>
+            </a:r>
+          </a:p>
+        </p:txBody>
+      </p:sp>
+      <p:sp>
+        <p:nvSpPr>
+          <p:cNvPr id="13" name="TextBox 12"/>
+          <p:cNvSpPr txBox="1"/>
+          <p:nvPr/>
+        </p:nvSpPr>
+        <p:spPr>
+          <a:xfrm>
+            <a:off x="855023" y="6424551"/>
+            <a:ext cx="6776214" cy="307777"/>
+          </a:xfrm>
+          <a:prstGeom prst="rect">
+            <a:avLst/>
+          </a:prstGeom>
+          <a:noFill/>
+        </p:spPr>
+        <p:txBody>
+          <a:bodyPr wrap="none" rtlCol="0">
+            <a:spAutoFit/>
+          </a:bodyPr>
+          <a:lstStyle/>
+          <a:p>
+            <a:r>
+              <a:rPr lang="en-US" dirty="0"/>
+              <a:t>Indent() and </a:t>
+            </a:r>
+            <a:r>
+              <a:rPr lang="en-US" dirty="0" err="1"/>
+              <a:t>indent_level</a:t>
+            </a:r>
+            <a:r>
+              <a:rPr lang="en-US" dirty="0"/>
+              <a:t> keep track of the code indentation for formatting purposes.</a:t>
             </a:r>
           </a:p>
         </p:txBody>
       </p:sp>
       <p:pic>
         <p:nvPicPr>
-          <p:cNvPr id="3" name="Picture 2"/>
+          <p:cNvPr id="3" name="Picture 2">
+            <a:extLst>
+              <a:ext uri="{FF2B5EF4-FFF2-40B4-BE49-F238E27FC236}">
+                <a16:creationId xmlns:a16="http://schemas.microsoft.com/office/drawing/2014/main" id="{1B0C2DF2-52AB-1748-B143-26FF30BC518E}"/>
+              </a:ext>
+            </a:extLst>
+          </p:cNvPr>
           <p:cNvPicPr>
             <a:picLocks noChangeAspect="1"/>
           </p:cNvPicPr>
@@ -11829,8 +12368,8 @@
         </p:blipFill>
         <p:spPr>
           <a:xfrm>
-            <a:off x="914400" y="1524000"/>
-            <a:ext cx="3975677" cy="4878263"/>
+            <a:off x="626278" y="1459465"/>
+            <a:ext cx="4098122" cy="1873740"/>
           </a:xfrm>
           <a:prstGeom prst="rect">
             <a:avLst/>
@@ -11842,39 +12381,166 @@
           </a:ln>
         </p:spPr>
       </p:pic>
-      <p:sp>
-        <p:nvSpPr>
-          <p:cNvPr id="4" name="TextBox 3"/>
-          <p:cNvSpPr txBox="1"/>
+      <p:pic>
+        <p:nvPicPr>
+          <p:cNvPr id="4" name="Picture 3">
+            <a:extLst>
+              <a:ext uri="{FF2B5EF4-FFF2-40B4-BE49-F238E27FC236}">
+                <a16:creationId xmlns:a16="http://schemas.microsoft.com/office/drawing/2014/main" id="{D2EA39DA-0D72-4649-B0E0-91F7C8C34167}"/>
+              </a:ext>
+            </a:extLst>
+          </p:cNvPr>
+          <p:cNvPicPr>
+            <a:picLocks noChangeAspect="1"/>
+          </p:cNvPicPr>
           <p:nvPr/>
-        </p:nvSpPr>
+        </p:nvPicPr>
+        <p:blipFill>
+          <a:blip r:embed="rId3"/>
+          <a:stretch>
+            <a:fillRect/>
+          </a:stretch>
+        </p:blipFill>
         <p:spPr>
           <a:xfrm>
-            <a:off x="5593278" y="2576945"/>
-            <a:ext cx="1567545" cy="307777"/>
+            <a:off x="626278" y="3651562"/>
+            <a:ext cx="4603750" cy="2454631"/>
           </a:xfrm>
           <a:prstGeom prst="rect">
             <a:avLst/>
           </a:prstGeom>
-          <a:noFill/>
+          <a:ln>
+            <a:solidFill>
+              <a:schemeClr val="tx1"/>
+            </a:solidFill>
+          </a:ln>
         </p:spPr>
-        <p:txBody>
-          <a:bodyPr wrap="none" rtlCol="0">
-            <a:spAutoFit/>
+      </p:pic>
+      <p:pic>
+        <p:nvPicPr>
+          <p:cNvPr id="5" name="Picture 4">
+            <a:extLst>
+              <a:ext uri="{FF2B5EF4-FFF2-40B4-BE49-F238E27FC236}">
+                <a16:creationId xmlns:a16="http://schemas.microsoft.com/office/drawing/2014/main" id="{032AB8C4-236B-DE42-B4EB-86C836D73819}"/>
+              </a:ext>
+            </a:extLst>
+          </p:cNvPr>
+          <p:cNvPicPr>
+            <a:picLocks noChangeAspect="1"/>
+          </p:cNvPicPr>
+          <p:nvPr/>
+        </p:nvPicPr>
+        <p:blipFill>
+          <a:blip r:embed="rId4"/>
+          <a:stretch>
+            <a:fillRect/>
+          </a:stretch>
+        </p:blipFill>
+        <p:spPr>
+          <a:xfrm>
+            <a:off x="5444247" y="1740544"/>
+            <a:ext cx="3242553" cy="4064000"/>
+          </a:xfrm>
+          <a:prstGeom prst="rect">
+            <a:avLst/>
+          </a:prstGeom>
+          <a:ln>
+            <a:solidFill>
+              <a:schemeClr val="tx1"/>
+            </a:solidFill>
+          </a:ln>
+        </p:spPr>
+      </p:pic>
+      <p:sp>
+        <p:nvSpPr>
+          <p:cNvPr id="8" name="Up Arrow 7">
+            <a:extLst>
+              <a:ext uri="{FF2B5EF4-FFF2-40B4-BE49-F238E27FC236}">
+                <a16:creationId xmlns:a16="http://schemas.microsoft.com/office/drawing/2014/main" id="{93BEFCF1-18E9-0A4D-B5CF-2E82FBB2E53C}"/>
+              </a:ext>
+            </a:extLst>
+          </p:cNvPr>
+          <p:cNvSpPr/>
+          <p:nvPr/>
+        </p:nvSpPr>
+        <p:spPr bwMode="auto">
+          <a:xfrm rot="16200000">
+            <a:off x="4686300" y="2549974"/>
+            <a:ext cx="228600" cy="457200"/>
+          </a:xfrm>
+          <a:prstGeom prst="upArrow">
+            <a:avLst/>
+          </a:prstGeom>
+          <a:solidFill>
+            <a:srgbClr val="FF0000"/>
+          </a:solidFill>
+          <a:ln w="9525" cap="flat" cmpd="sng" algn="ctr">
+            <a:solidFill>
+              <a:schemeClr val="tx1"/>
+            </a:solidFill>
+            <a:prstDash val="solid"/>
+            <a:round/>
+            <a:headEnd type="none" w="med" len="med"/>
+            <a:tailEnd type="none" w="med" len="med"/>
+          </a:ln>
+          <a:effectLst/>
+          <a:extLst>
+            <a:ext uri="{AF507438-7753-43e0-B8FC-AC1667EBCBE1}">
+              <a14:hiddenEffects xmlns:a14="http://schemas.microsoft.com/office/drawing/2010/main" xmlns="">
+                <a:effectLst>
+                  <a:outerShdw blurRad="63500" dist="38099" dir="2700000" algn="ctr" rotWithShape="0">
+                    <a:schemeClr val="bg2">
+                      <a:alpha val="74998"/>
+                    </a:schemeClr>
+                  </a:outerShdw>
+                </a:effectLst>
+              </a14:hiddenEffects>
+            </a:ext>
+          </a:extLst>
+        </p:spPr>
+        <p:txBody>
+          <a:bodyPr vert="horz" wrap="square" lIns="91440" tIns="45720" rIns="91440" bIns="45720" numCol="1" rtlCol="0" anchor="t" anchorCtr="0" compatLnSpc="1">
+            <a:prstTxWarp prst="textNoShape">
+              <a:avLst/>
+            </a:prstTxWarp>
           </a:bodyPr>
           <a:lstStyle/>
           <a:p>
-            <a:r>
-              <a:rPr lang="en-US" dirty="0"/>
-              <a:t>Top level function</a:t>
-            </a:r>
+            <a:pPr marL="0" marR="0" indent="0" algn="l" defTabSz="914400" rtl="0" eaLnBrk="0" fontAlgn="base" latinLnBrk="0" hangingPunct="0">
+              <a:lnSpc>
+                <a:spcPct val="100000"/>
+              </a:lnSpc>
+              <a:spcBef>
+                <a:spcPct val="0"/>
+              </a:spcBef>
+              <a:spcAft>
+                <a:spcPct val="0"/>
+              </a:spcAft>
+              <a:buClrTx/>
+              <a:buSzTx/>
+              <a:buFontTx/>
+              <a:buNone/>
+              <a:tabLst/>
+            </a:pPr>
+            <a:endParaRPr kumimoji="0" lang="en-US" sz="2100" b="0" i="0" u="none" strike="noStrike" cap="none" normalizeH="0" baseline="0">
+              <a:ln>
+                <a:noFill/>
+              </a:ln>
+              <a:solidFill>
+                <a:srgbClr val="000000"/>
+              </a:solidFill>
+              <a:effectLst/>
+              <a:latin typeface="Arial" charset="0"/>
+              <a:ea typeface="ＭＳ Ｐゴシック" charset="0"/>
+              <a:cs typeface="ＭＳ Ｐゴシック" charset="0"/>
+            </a:endParaRPr>
           </a:p>
         </p:txBody>
       </p:sp>
     </p:spTree>
     <p:extLst>
       <p:ext uri="{BB962C8B-B14F-4D97-AF65-F5344CB8AC3E}">
-        <p14:creationId xmlns:p14="http://schemas.microsoft.com/office/powerpoint/2010/main" val="263762308"/>
+        <p14:creationId xmlns:p14="http://schemas.microsoft.com/office/powerpoint/2010/main" val="1000493745"/>
       </p:ext>
     </p:extLst>
   </p:cSld>
@@ -11918,14 +12584,49 @@
           <a:p>
             <a:r>
               <a:rPr lang="en-US" dirty="0"/>
-              <a:t>The Cuppa1 PP</a:t>
+              <a:t>Top Level Function of PP</a:t>
+            </a:r>
+          </a:p>
+        </p:txBody>
+      </p:sp>
+      <p:sp>
+        <p:nvSpPr>
+          <p:cNvPr id="4" name="TextBox 3"/>
+          <p:cNvSpPr txBox="1"/>
+          <p:nvPr/>
+        </p:nvSpPr>
+        <p:spPr>
+          <a:xfrm>
+            <a:off x="5593278" y="2576945"/>
+            <a:ext cx="1567545" cy="307777"/>
+          </a:xfrm>
+          <a:prstGeom prst="rect">
+            <a:avLst/>
+          </a:prstGeom>
+          <a:noFill/>
+        </p:spPr>
+        <p:txBody>
+          <a:bodyPr wrap="none" rtlCol="0">
+            <a:spAutoFit/>
+          </a:bodyPr>
+          <a:lstStyle/>
+          <a:p>
+            <a:r>
+              <a:rPr lang="en-US" dirty="0"/>
+              <a:t>Top level function</a:t>
             </a:r>
           </a:p>
         </p:txBody>
       </p:sp>
       <p:pic>
         <p:nvPicPr>
-          <p:cNvPr id="5" name="Picture 4"/>
+          <p:cNvPr id="5" name="Picture 4">
+            <a:extLst>
+              <a:ext uri="{FF2B5EF4-FFF2-40B4-BE49-F238E27FC236}">
+                <a16:creationId xmlns:a16="http://schemas.microsoft.com/office/drawing/2014/main" id="{AAD26BAC-31D1-A443-AABF-3D0D839DDAAB}"/>
+              </a:ext>
+            </a:extLst>
+          </p:cNvPr>
           <p:cNvPicPr>
             <a:picLocks noChangeAspect="1"/>
           </p:cNvPicPr>
@@ -11939,47 +12640,23 @@
         </p:blipFill>
         <p:spPr>
           <a:xfrm>
-            <a:off x="609600" y="2819400"/>
-            <a:ext cx="7620000" cy="2997200"/>
+            <a:off x="1399085" y="2203450"/>
+            <a:ext cx="3187700" cy="2451100"/>
           </a:xfrm>
           <a:prstGeom prst="rect">
             <a:avLst/>
           </a:prstGeom>
+          <a:ln>
+            <a:solidFill>
+              <a:schemeClr val="tx1"/>
+            </a:solidFill>
+          </a:ln>
         </p:spPr>
       </p:pic>
-      <p:sp>
-        <p:nvSpPr>
-          <p:cNvPr id="6" name="TextBox 5"/>
-          <p:cNvSpPr txBox="1"/>
-          <p:nvPr/>
-        </p:nvSpPr>
-        <p:spPr>
-          <a:xfrm>
-            <a:off x="819397" y="2006930"/>
-            <a:ext cx="2102948" cy="307777"/>
-          </a:xfrm>
-          <a:prstGeom prst="rect">
-            <a:avLst/>
-          </a:prstGeom>
-          <a:noFill/>
-        </p:spPr>
-        <p:txBody>
-          <a:bodyPr wrap="none" rtlCol="0">
-            <a:spAutoFit/>
-          </a:bodyPr>
-          <a:lstStyle/>
-          <a:p>
-            <a:r>
-              <a:rPr lang="en-US" dirty="0"/>
-              <a:t>Testing the pretty printer</a:t>
-            </a:r>
-          </a:p>
-        </p:txBody>
-      </p:sp>
     </p:spTree>
     <p:extLst>
       <p:ext uri="{BB962C8B-B14F-4D97-AF65-F5344CB8AC3E}">
-        <p14:creationId xmlns:p14="http://schemas.microsoft.com/office/powerpoint/2010/main" val="1803413582"/>
+        <p14:creationId xmlns:p14="http://schemas.microsoft.com/office/powerpoint/2010/main" val="263762308"/>
       </p:ext>
     </p:extLst>
   </p:cSld>
@@ -12022,6 +12699,152 @@
           <a:lstStyle/>
           <a:p>
             <a:r>
+              <a:rPr lang="en-US" dirty="0"/>
+              <a:t>The Cuppa1 PP</a:t>
+            </a:r>
+          </a:p>
+        </p:txBody>
+      </p:sp>
+      <p:sp>
+        <p:nvSpPr>
+          <p:cNvPr id="6" name="TextBox 5"/>
+          <p:cNvSpPr txBox="1"/>
+          <p:nvPr/>
+        </p:nvSpPr>
+        <p:spPr>
+          <a:xfrm>
+            <a:off x="685800" y="1455169"/>
+            <a:ext cx="2102948" cy="307777"/>
+          </a:xfrm>
+          <a:prstGeom prst="rect">
+            <a:avLst/>
+          </a:prstGeom>
+          <a:noFill/>
+        </p:spPr>
+        <p:txBody>
+          <a:bodyPr wrap="none" rtlCol="0">
+            <a:spAutoFit/>
+          </a:bodyPr>
+          <a:lstStyle/>
+          <a:p>
+            <a:r>
+              <a:rPr lang="en-US" dirty="0"/>
+              <a:t>Testing the pretty printer</a:t>
+            </a:r>
+          </a:p>
+        </p:txBody>
+      </p:sp>
+      <p:pic>
+        <p:nvPicPr>
+          <p:cNvPr id="3" name="Picture 2">
+            <a:extLst>
+              <a:ext uri="{FF2B5EF4-FFF2-40B4-BE49-F238E27FC236}">
+                <a16:creationId xmlns:a16="http://schemas.microsoft.com/office/drawing/2014/main" id="{8E35E450-3953-6746-A1E3-22DA623E18DC}"/>
+              </a:ext>
+            </a:extLst>
+          </p:cNvPr>
+          <p:cNvPicPr>
+            <a:picLocks noChangeAspect="1"/>
+          </p:cNvPicPr>
+          <p:nvPr/>
+        </p:nvPicPr>
+        <p:blipFill>
+          <a:blip r:embed="rId2"/>
+          <a:stretch>
+            <a:fillRect/>
+          </a:stretch>
+        </p:blipFill>
+        <p:spPr>
+          <a:xfrm>
+            <a:off x="685800" y="2209800"/>
+            <a:ext cx="3073400" cy="3441787"/>
+          </a:xfrm>
+          <a:prstGeom prst="rect">
+            <a:avLst/>
+          </a:prstGeom>
+          <a:ln>
+            <a:solidFill>
+              <a:schemeClr val="tx1"/>
+            </a:solidFill>
+          </a:ln>
+        </p:spPr>
+      </p:pic>
+      <p:pic>
+        <p:nvPicPr>
+          <p:cNvPr id="4" name="Picture 3">
+            <a:extLst>
+              <a:ext uri="{FF2B5EF4-FFF2-40B4-BE49-F238E27FC236}">
+                <a16:creationId xmlns:a16="http://schemas.microsoft.com/office/drawing/2014/main" id="{23F4935F-E13A-3946-98CE-909E07A7F98F}"/>
+              </a:ext>
+            </a:extLst>
+          </p:cNvPr>
+          <p:cNvPicPr>
+            <a:picLocks noChangeAspect="1"/>
+          </p:cNvPicPr>
+          <p:nvPr/>
+        </p:nvPicPr>
+        <p:blipFill>
+          <a:blip r:embed="rId3"/>
+          <a:stretch>
+            <a:fillRect/>
+          </a:stretch>
+        </p:blipFill>
+        <p:spPr>
+          <a:xfrm>
+            <a:off x="3505200" y="3615633"/>
+            <a:ext cx="5226050" cy="3090559"/>
+          </a:xfrm>
+          <a:prstGeom prst="rect">
+            <a:avLst/>
+          </a:prstGeom>
+        </p:spPr>
+      </p:pic>
+    </p:spTree>
+    <p:extLst>
+      <p:ext uri="{BB962C8B-B14F-4D97-AF65-F5344CB8AC3E}">
+        <p14:creationId xmlns:p14="http://schemas.microsoft.com/office/powerpoint/2010/main" val="1803413582"/>
+      </p:ext>
+    </p:extLst>
+  </p:cSld>
+  <p:clrMapOvr>
+    <a:masterClrMapping/>
+  </p:clrMapOvr>
+</p:sld>
+</file>
+
+<file path=ppt/slides/slide26.xml><?xml version="1.0" encoding="utf-8"?>
+<p:sld xmlns:a="http://schemas.openxmlformats.org/drawingml/2006/main" xmlns:r="http://schemas.openxmlformats.org/officeDocument/2006/relationships" xmlns:p="http://schemas.openxmlformats.org/presentationml/2006/main">
+  <p:cSld>
+    <p:spTree>
+      <p:nvGrpSpPr>
+        <p:cNvPr id="1" name=""/>
+        <p:cNvGrpSpPr/>
+        <p:nvPr/>
+      </p:nvGrpSpPr>
+      <p:grpSpPr>
+        <a:xfrm>
+          <a:off x="0" y="0"/>
+          <a:ext cx="0" cy="0"/>
+          <a:chOff x="0" y="0"/>
+          <a:chExt cx="0" cy="0"/>
+        </a:xfrm>
+      </p:grpSpPr>
+      <p:sp>
+        <p:nvSpPr>
+          <p:cNvPr id="2" name="Title 1"/>
+          <p:cNvSpPr>
+            <a:spLocks noGrp="1"/>
+          </p:cNvSpPr>
+          <p:nvPr>
+            <p:ph type="title"/>
+          </p:nvPr>
+        </p:nvSpPr>
+        <p:spPr/>
+        <p:txBody>
+          <a:bodyPr/>
+          <a:lstStyle/>
+          <a:p>
+            <a:r>
               <a:rPr lang="en-US"/>
               <a:t>Assignment	</a:t>
             </a:r>
@@ -12044,18 +12867,12 @@
           <a:lstStyle/>
           <a:p>
             <a:r>
+              <a:rPr lang="en-US"/>
+              <a:t>Reading: Chap </a:t>
+            </a:r>
+            <a:r>
               <a:rPr lang="en-US" dirty="0"/>
-              <a:t>Chap 5</a:t>
-            </a:r>
-          </a:p>
-          <a:p>
-            <a:r>
-              <a:rPr lang="en-US"/>
-              <a:t>Midterm </a:t>
-            </a:r>
-            <a:r>
-              <a:rPr lang="en-US" dirty="0"/>
-              <a:t>– see webpage.</a:t>
+              <a:t>5</a:t>
             </a:r>
           </a:p>
         </p:txBody>
@@ -12121,7 +12938,7 @@
       </p:sp>
       <p:pic>
         <p:nvPicPr>
-          <p:cNvPr id="3" name="Picture 2"/>
+          <p:cNvPr id="9" name="Picture 8"/>
           <p:cNvPicPr>
             <a:picLocks noChangeAspect="1"/>
           </p:cNvPicPr>
@@ -12129,58 +12946,12 @@
         </p:nvPicPr>
         <p:blipFill rotWithShape="1">
           <a:blip r:embed="rId3"/>
-          <a:srcRect l="14530"/>
-          <a:stretch/>
-        </p:blipFill>
-        <p:spPr>
-          <a:xfrm>
-            <a:off x="152400" y="914400"/>
-            <a:ext cx="3810000" cy="4273960"/>
-          </a:xfrm>
-          <a:prstGeom prst="rect">
-            <a:avLst/>
-          </a:prstGeom>
-        </p:spPr>
-      </p:pic>
-      <p:pic>
-        <p:nvPicPr>
-          <p:cNvPr id="8" name="Picture 7"/>
-          <p:cNvPicPr>
-            <a:picLocks noChangeAspect="1"/>
-          </p:cNvPicPr>
-          <p:nvPr/>
-        </p:nvPicPr>
-        <p:blipFill rotWithShape="1">
-          <a:blip r:embed="rId4"/>
-          <a:srcRect l="22268"/>
-          <a:stretch/>
-        </p:blipFill>
-        <p:spPr>
-          <a:xfrm>
-            <a:off x="5292725" y="2186261"/>
-            <a:ext cx="2393950" cy="1116737"/>
-          </a:xfrm>
-          <a:prstGeom prst="rect">
-            <a:avLst/>
-          </a:prstGeom>
-        </p:spPr>
-      </p:pic>
-      <p:pic>
-        <p:nvPicPr>
-          <p:cNvPr id="9" name="Picture 8"/>
-          <p:cNvPicPr>
-            <a:picLocks noChangeAspect="1"/>
-          </p:cNvPicPr>
-          <p:nvPr/>
-        </p:nvPicPr>
-        <p:blipFill rotWithShape="1">
-          <a:blip r:embed="rId5"/>
           <a:srcRect l="11202" r="3700"/>
           <a:stretch/>
         </p:blipFill>
         <p:spPr>
           <a:xfrm>
-            <a:off x="3810000" y="4744882"/>
+            <a:off x="304800" y="3711532"/>
             <a:ext cx="5257800" cy="2075018"/>
           </a:xfrm>
           <a:prstGeom prst="rect">
@@ -12196,7 +12967,7 @@
         </p:nvSpPr>
         <p:spPr>
           <a:xfrm>
-            <a:off x="4127950" y="1071450"/>
+            <a:off x="4127950" y="914400"/>
             <a:ext cx="3675750" cy="307777"/>
           </a:xfrm>
           <a:prstGeom prst="rect">
@@ -12224,6 +12995,76 @@
           </a:p>
         </p:txBody>
       </p:sp>
+      <p:pic>
+        <p:nvPicPr>
+          <p:cNvPr id="6" name="Picture 5">
+            <a:extLst>
+              <a:ext uri="{FF2B5EF4-FFF2-40B4-BE49-F238E27FC236}">
+                <a16:creationId xmlns:a16="http://schemas.microsoft.com/office/drawing/2014/main" id="{596BE6E1-5B03-424A-B45E-D82471A53CD5}"/>
+              </a:ext>
+            </a:extLst>
+          </p:cNvPr>
+          <p:cNvPicPr>
+            <a:picLocks noChangeAspect="1"/>
+          </p:cNvPicPr>
+          <p:nvPr/>
+        </p:nvPicPr>
+        <p:blipFill>
+          <a:blip r:embed="rId4"/>
+          <a:stretch>
+            <a:fillRect/>
+          </a:stretch>
+        </p:blipFill>
+        <p:spPr>
+          <a:xfrm>
+            <a:off x="4728739" y="1400937"/>
+            <a:ext cx="3958061" cy="5334000"/>
+          </a:xfrm>
+          <a:prstGeom prst="rect">
+            <a:avLst/>
+          </a:prstGeom>
+          <a:ln>
+            <a:solidFill>
+              <a:schemeClr val="tx1"/>
+            </a:solidFill>
+          </a:ln>
+        </p:spPr>
+      </p:pic>
+      <p:pic>
+        <p:nvPicPr>
+          <p:cNvPr id="7" name="Picture 6">
+            <a:extLst>
+              <a:ext uri="{FF2B5EF4-FFF2-40B4-BE49-F238E27FC236}">
+                <a16:creationId xmlns:a16="http://schemas.microsoft.com/office/drawing/2014/main" id="{93C3D654-DB88-3147-81DD-8E3768C3F4CB}"/>
+              </a:ext>
+            </a:extLst>
+          </p:cNvPr>
+          <p:cNvPicPr>
+            <a:picLocks noChangeAspect="1"/>
+          </p:cNvPicPr>
+          <p:nvPr/>
+        </p:nvPicPr>
+        <p:blipFill>
+          <a:blip r:embed="rId5"/>
+          <a:stretch>
+            <a:fillRect/>
+          </a:stretch>
+        </p:blipFill>
+        <p:spPr>
+          <a:xfrm>
+            <a:off x="762000" y="1822916"/>
+            <a:ext cx="2438400" cy="1053389"/>
+          </a:xfrm>
+          <a:prstGeom prst="rect">
+            <a:avLst/>
+          </a:prstGeom>
+          <a:ln>
+            <a:solidFill>
+              <a:schemeClr val="tx1"/>
+            </a:solidFill>
+          </a:ln>
+        </p:spPr>
+      </p:pic>
     </p:spTree>
     <p:extLst>
       <p:ext uri="{BB962C8B-B14F-4D97-AF65-F5344CB8AC3E}">
@@ -12319,9 +13160,44 @@
           </a:p>
         </p:txBody>
       </p:sp>
+      <p:sp>
+        <p:nvSpPr>
+          <p:cNvPr id="5" name="TextBox 4"/>
+          <p:cNvSpPr txBox="1"/>
+          <p:nvPr/>
+        </p:nvSpPr>
+        <p:spPr>
+          <a:xfrm>
+            <a:off x="901700" y="6057900"/>
+            <a:ext cx="3403496" cy="307777"/>
+          </a:xfrm>
+          <a:prstGeom prst="rect">
+            <a:avLst/>
+          </a:prstGeom>
+          <a:noFill/>
+        </p:spPr>
+        <p:txBody>
+          <a:bodyPr wrap="none" rtlCol="0">
+            <a:spAutoFit/>
+          </a:bodyPr>
+          <a:lstStyle/>
+          <a:p>
+            <a:r>
+              <a:rPr lang="en-US" dirty="0"/>
+              <a:t>We just interpreted the expression tree!!!</a:t>
+            </a:r>
+          </a:p>
+        </p:txBody>
+      </p:sp>
       <p:pic>
         <p:nvPicPr>
-          <p:cNvPr id="11" name="Picture 10"/>
+          <p:cNvPr id="3" name="Picture 2">
+            <a:extLst>
+              <a:ext uri="{FF2B5EF4-FFF2-40B4-BE49-F238E27FC236}">
+                <a16:creationId xmlns:a16="http://schemas.microsoft.com/office/drawing/2014/main" id="{D25B6E3B-35ED-6C4D-B4C5-D31CC3513FA0}"/>
+              </a:ext>
+            </a:extLst>
+          </p:cNvPr>
           <p:cNvPicPr>
             <a:picLocks noChangeAspect="1"/>
           </p:cNvPicPr>
@@ -12335,8 +13211,8 @@
         </p:blipFill>
         <p:spPr>
           <a:xfrm>
-            <a:off x="1600200" y="4953000"/>
-            <a:ext cx="3048000" cy="787171"/>
+            <a:off x="1676400" y="3952808"/>
+            <a:ext cx="2819400" cy="847792"/>
           </a:xfrm>
           <a:prstGeom prst="rect">
             <a:avLst/>
@@ -12345,7 +13221,13 @@
       </p:pic>
       <p:pic>
         <p:nvPicPr>
-          <p:cNvPr id="10" name="Picture 9"/>
+          <p:cNvPr id="9" name="Picture 8">
+            <a:extLst>
+              <a:ext uri="{FF2B5EF4-FFF2-40B4-BE49-F238E27FC236}">
+                <a16:creationId xmlns:a16="http://schemas.microsoft.com/office/drawing/2014/main" id="{DA0378A2-DD3B-AA45-B542-CAD3CC0BAE7A}"/>
+              </a:ext>
+            </a:extLst>
+          </p:cNvPr>
           <p:cNvPicPr>
             <a:picLocks noChangeAspect="1"/>
           </p:cNvPicPr>
@@ -12359,67 +13241,14 @@
         </p:blipFill>
         <p:spPr>
           <a:xfrm>
-            <a:off x="1524000" y="1905000"/>
-            <a:ext cx="5962650" cy="616228"/>
+            <a:off x="1752600" y="1823305"/>
+            <a:ext cx="6407778" cy="2271590"/>
           </a:xfrm>
           <a:prstGeom prst="rect">
             <a:avLst/>
           </a:prstGeom>
         </p:spPr>
       </p:pic>
-      <p:pic>
-        <p:nvPicPr>
-          <p:cNvPr id="12" name="Picture 11"/>
-          <p:cNvPicPr>
-            <a:picLocks noChangeAspect="1"/>
-          </p:cNvPicPr>
-          <p:nvPr/>
-        </p:nvPicPr>
-        <p:blipFill>
-          <a:blip r:embed="rId5"/>
-          <a:stretch>
-            <a:fillRect/>
-          </a:stretch>
-        </p:blipFill>
-        <p:spPr>
-          <a:xfrm>
-            <a:off x="1524000" y="2814804"/>
-            <a:ext cx="5962650" cy="1864403"/>
-          </a:xfrm>
-          <a:prstGeom prst="rect">
-            <a:avLst/>
-          </a:prstGeom>
-        </p:spPr>
-      </p:pic>
-      <p:sp>
-        <p:nvSpPr>
-          <p:cNvPr id="5" name="TextBox 4"/>
-          <p:cNvSpPr txBox="1"/>
-          <p:nvPr/>
-        </p:nvSpPr>
-        <p:spPr>
-          <a:xfrm>
-            <a:off x="901700" y="6057900"/>
-            <a:ext cx="3403496" cy="307777"/>
-          </a:xfrm>
-          <a:prstGeom prst="rect">
-            <a:avLst/>
-          </a:prstGeom>
-          <a:noFill/>
-        </p:spPr>
-        <p:txBody>
-          <a:bodyPr wrap="none" rtlCol="0">
-            <a:spAutoFit/>
-          </a:bodyPr>
-          <a:lstStyle/>
-          <a:p>
-            <a:r>
-              <a:rPr lang="en-US" dirty="0"/>
-              <a:t>We just interpreted the expression tree!!!</a:t>
-            </a:r>
-          </a:p>
-        </p:txBody>
-      </p:sp>
     </p:spTree>
     <p:extLst>
       <p:ext uri="{BB962C8B-B14F-4D97-AF65-F5344CB8AC3E}">
@@ -12545,25 +13374,37 @@
       </p:sp>
       <p:pic>
         <p:nvPicPr>
-          <p:cNvPr id="13" name="Picture 12"/>
+          <p:cNvPr id="6" name="Picture 5">
+            <a:extLst>
+              <a:ext uri="{FF2B5EF4-FFF2-40B4-BE49-F238E27FC236}">
+                <a16:creationId xmlns:a16="http://schemas.microsoft.com/office/drawing/2014/main" id="{75032DC2-E64C-A947-9111-06012CD46ECF}"/>
+              </a:ext>
+            </a:extLst>
+          </p:cNvPr>
           <p:cNvPicPr>
             <a:picLocks noChangeAspect="1"/>
           </p:cNvPicPr>
           <p:nvPr/>
         </p:nvPicPr>
-        <p:blipFill rotWithShape="1">
+        <p:blipFill>
           <a:blip r:embed="rId3"/>
-          <a:srcRect l="14530"/>
-          <a:stretch/>
+          <a:stretch>
+            <a:fillRect/>
+          </a:stretch>
         </p:blipFill>
         <p:spPr>
           <a:xfrm>
-            <a:off x="228600" y="1981200"/>
-            <a:ext cx="3810000" cy="4273960"/>
+            <a:off x="292648" y="1495567"/>
+            <a:ext cx="3958061" cy="5334000"/>
           </a:xfrm>
           <a:prstGeom prst="rect">
             <a:avLst/>
           </a:prstGeom>
+          <a:ln>
+            <a:solidFill>
+              <a:schemeClr val="tx1"/>
+            </a:solidFill>
+          </a:ln>
         </p:spPr>
       </p:pic>
     </p:spTree>
@@ -12957,7 +13798,13 @@
       </p:sp>
       <p:pic>
         <p:nvPicPr>
-          <p:cNvPr id="6" name="Picture 5"/>
+          <p:cNvPr id="3" name="Picture 2">
+            <a:extLst>
+              <a:ext uri="{FF2B5EF4-FFF2-40B4-BE49-F238E27FC236}">
+                <a16:creationId xmlns:a16="http://schemas.microsoft.com/office/drawing/2014/main" id="{6625885E-3826-1546-904A-25F02CBAD7A6}"/>
+              </a:ext>
+            </a:extLst>
+          </p:cNvPr>
           <p:cNvPicPr>
             <a:picLocks noChangeAspect="1"/>
           </p:cNvPicPr>
@@ -12971,8 +13818,8 @@
         </p:blipFill>
         <p:spPr>
           <a:xfrm>
-            <a:off x="457200" y="1524000"/>
-            <a:ext cx="5043714" cy="4953000"/>
+            <a:off x="457200" y="1417638"/>
+            <a:ext cx="4561772" cy="5149273"/>
           </a:xfrm>
           <a:prstGeom prst="rect">
             <a:avLst/>
